--- a/worldgen.pptx
+++ b/worldgen.pptx
@@ -2,13 +2,14 @@
 <file path=ppt/presentation.xml><?xml version="1.0" encoding="utf-8"?>
 <p:presentation xmlns:a="http://schemas.openxmlformats.org/drawingml/2006/main" xmlns:r="http://schemas.openxmlformats.org/officeDocument/2006/relationships" xmlns:p="http://schemas.openxmlformats.org/presentationml/2006/main" autoCompressPictures="0">
   <p:sldMasterIdLst>
-    <p:sldMasterId id="2147483648" r:id="rId1"/>
+    <p:sldMasterId id="2147483668" r:id="rId1"/>
   </p:sldMasterIdLst>
   <p:sldIdLst>
     <p:sldId id="256" r:id="rId2"/>
     <p:sldId id="257" r:id="rId3"/>
+    <p:sldId id="258" r:id="rId4"/>
   </p:sldIdLst>
-  <p:sldSz cx="12192000" cy="6858000"/>
+  <p:sldSz cx="9144000" cy="6858000" type="screen4x3"/>
   <p:notesSz cx="6858000" cy="9144000"/>
   <p:defaultTextStyle>
     <a:defPPr>
@@ -105,6 +106,11 @@
       </a:defRPr>
     </a:lvl9pPr>
   </p:defaultTextStyle>
+  <p:extLst>
+    <p:ext uri="{EFAFB233-063F-42B5-8137-9DF3F51BA10A}">
+      <p15:sldGuideLst xmlns:p15="http://schemas.microsoft.com/office/powerpoint/2012/main"/>
+    </p:ext>
+  </p:extLst>
 </p:presentation>
 </file>
 
@@ -115,11 +121,6 @@
 <file path=ppt/slideLayouts/slideLayout1.xml><?xml version="1.0" encoding="utf-8"?>
 <p:sldLayout xmlns:a="http://schemas.openxmlformats.org/drawingml/2006/main" xmlns:r="http://schemas.openxmlformats.org/officeDocument/2006/relationships" xmlns:p="http://schemas.openxmlformats.org/presentationml/2006/main" type="title" preserve="1">
   <p:cSld name="Titelfolie">
-    <p:bg>
-      <p:bgRef idx="1003">
-        <a:schemeClr val="bg2"/>
-      </p:bgRef>
-    </p:bg>
     <p:spTree>
       <p:nvGrpSpPr>
         <p:cNvPr id="1" name=""/>
@@ -136,7 +137,7 @@
       </p:grpSpPr>
       <p:pic>
         <p:nvPicPr>
-          <p:cNvPr id="7" name="Picture 6" descr="Celestia-R1---OverlayTitleHD.png"/>
+          <p:cNvPr id="11" name="Picture 10" descr="Celestia-R1---OverlayTitleSD.png"/>
           <p:cNvPicPr>
             <a:picLocks noChangeAspect="1"/>
           </p:cNvPicPr>
@@ -157,7 +158,7 @@
         <p:spPr>
           <a:xfrm>
             <a:off x="0" y="0"/>
-            <a:ext cx="12188825" cy="6856214"/>
+            <a:ext cx="7397750" cy="6858000"/>
           </a:xfrm>
           <a:prstGeom prst="rect">
             <a:avLst/>
@@ -176,8 +177,8 @@
         </p:nvSpPr>
         <p:spPr>
           <a:xfrm>
-            <a:off x="3962399" y="1964267"/>
-            <a:ext cx="7197726" cy="2421464"/>
+            <a:off x="2743973" y="1964267"/>
+            <a:ext cx="5714228" cy="2421464"/>
           </a:xfrm>
         </p:spPr>
         <p:txBody>
@@ -186,7 +187,7 @@
           </a:bodyPr>
           <a:lstStyle>
             <a:lvl1pPr algn="r">
-              <a:defRPr sz="4800">
+              <a:defRPr sz="4400">
                 <a:effectLst/>
               </a:defRPr>
             </a:lvl1pPr>
@@ -212,8 +213,8 @@
         </p:nvSpPr>
         <p:spPr>
           <a:xfrm>
-            <a:off x="3962399" y="4385732"/>
-            <a:ext cx="7197726" cy="1405467"/>
+            <a:off x="2743973" y="4385733"/>
+            <a:ext cx="5714228" cy="1405467"/>
           </a:xfrm>
         </p:spPr>
         <p:txBody>
@@ -331,8 +332,8 @@
         </p:nvSpPr>
         <p:spPr>
           <a:xfrm>
-            <a:off x="8932558" y="5870575"/>
-            <a:ext cx="1600200" cy="377825"/>
+            <a:off x="6752311" y="5870576"/>
+            <a:ext cx="1212173" cy="377825"/>
           </a:xfrm>
         </p:spPr>
         <p:txBody>
@@ -340,9 +341,9 @@
           <a:lstStyle/>
           <a:p>
             <a:fld id="{B61BEF0D-F0BB-DE4B-95CE-6DB70DBA9567}" type="datetimeFigureOut">
-              <a:rPr lang="en-US" dirty="0"/>
+              <a:rPr lang="en-US" smtClean="0"/>
               <a:pPr/>
-              <a:t>1/6/2018</a:t>
+              <a:t>1/7/2018</a:t>
             </a:fld>
             <a:endParaRPr lang="en-US" dirty="0"/>
           </a:p>
@@ -360,8 +361,8 @@
         </p:nvSpPr>
         <p:spPr>
           <a:xfrm>
-            <a:off x="3962399" y="5870575"/>
-            <a:ext cx="4893958" cy="377825"/>
+            <a:off x="2743973" y="5870576"/>
+            <a:ext cx="3932137" cy="377825"/>
           </a:xfrm>
         </p:spPr>
         <p:txBody>
@@ -384,8 +385,8 @@
         </p:nvSpPr>
         <p:spPr>
           <a:xfrm>
-            <a:off x="10608958" y="5870575"/>
-            <a:ext cx="551167" cy="377825"/>
+            <a:off x="8040685" y="5870576"/>
+            <a:ext cx="417516" cy="377825"/>
           </a:xfrm>
         </p:spPr>
         <p:txBody>
@@ -393,7 +394,7 @@
           <a:lstStyle/>
           <a:p>
             <a:fld id="{D57F1E4F-1CFF-5643-939E-217C01CDF565}" type="slidenum">
-              <a:rPr lang="en-US" dirty="0"/>
+              <a:rPr lang="en-US" smtClean="0"/>
               <a:pPr/>
               <a:t>‹Nr.›</a:t>
             </a:fld>
@@ -402,9 +403,14 @@
         </p:txBody>
       </p:sp>
     </p:spTree>
+    <p:extLst>
+      <p:ext uri="{BB962C8B-B14F-4D97-AF65-F5344CB8AC3E}">
+        <p14:creationId xmlns:p14="http://schemas.microsoft.com/office/powerpoint/2010/main" val="465055146"/>
+      </p:ext>
+    </p:extLst>
   </p:cSld>
   <p:clrMapOvr>
-    <a:overrideClrMapping bg1="dk1" tx1="lt1" bg2="dk2" tx2="lt2" accent1="accent1" accent2="accent2" accent3="accent3" accent4="accent4" accent5="accent5" accent6="accent6" hlink="hlink" folHlink="folHlink"/>
+    <a:masterClrMapping/>
   </p:clrMapOvr>
 </p:sldLayout>
 </file>
@@ -428,7 +434,7 @@
       </p:grpSpPr>
       <p:pic>
         <p:nvPicPr>
-          <p:cNvPr id="8" name="Picture 7" descr="Celestia-R1---OverlayContentHD.png"/>
+          <p:cNvPr id="10" name="Picture 9" descr="Celestia-R1---OverlayContentSD.png"/>
           <p:cNvPicPr>
             <a:picLocks noChangeAspect="1"/>
           </p:cNvPicPr>
@@ -448,8 +454,8 @@
         </p:blipFill>
         <p:spPr>
           <a:xfrm>
-            <a:off x="0" y="0"/>
-            <a:ext cx="12188825" cy="6856214"/>
+            <a:off x="13956" y="0"/>
+            <a:ext cx="9118600" cy="6858000"/>
           </a:xfrm>
           <a:prstGeom prst="rect">
             <a:avLst/>
@@ -468,8 +474,8 @@
         </p:nvSpPr>
         <p:spPr>
           <a:xfrm>
-            <a:off x="685800" y="4732865"/>
-            <a:ext cx="10131427" cy="566738"/>
+            <a:off x="457201" y="4732865"/>
+            <a:ext cx="7772400" cy="566738"/>
           </a:xfrm>
         </p:spPr>
         <p:txBody>
@@ -478,7 +484,7 @@
           </a:bodyPr>
           <a:lstStyle>
             <a:lvl1pPr algn="l">
-              <a:defRPr sz="2400" b="0"/>
+              <a:defRPr sz="2000" b="0"/>
             </a:lvl1pPr>
           </a:lstStyle>
           <a:p>
@@ -502,8 +508,8 @@
         </p:nvSpPr>
         <p:spPr>
           <a:xfrm>
-            <a:off x="1371600" y="932112"/>
-            <a:ext cx="8759827" cy="3164976"/>
+            <a:off x="914401" y="932112"/>
+            <a:ext cx="6858000" cy="3164976"/>
           </a:xfrm>
           <a:prstGeom prst="roundRect">
             <a:avLst>
@@ -538,48 +544,18 @@
           </a:effectLst>
         </p:spPr>
         <p:txBody>
-          <a:bodyPr anchor="t">
+          <a:bodyPr vert="horz" lIns="91440" tIns="45720" rIns="91440" bIns="45720" rtlCol="0" anchor="t">
             <a:normAutofit/>
           </a:bodyPr>
           <a:lstStyle>
-            <a:lvl1pPr marL="0" indent="0" algn="ctr">
-              <a:buNone/>
-              <a:defRPr sz="1600"/>
+            <a:lvl1pPr>
+              <a:defRPr lang="en-US" sz="1600"/>
             </a:lvl1pPr>
-            <a:lvl2pPr marL="457200" indent="0">
-              <a:buNone/>
-              <a:defRPr sz="1600"/>
-            </a:lvl2pPr>
-            <a:lvl3pPr marL="914400" indent="0">
-              <a:buNone/>
-              <a:defRPr sz="1600"/>
-            </a:lvl3pPr>
-            <a:lvl4pPr marL="1371600" indent="0">
-              <a:buNone/>
-              <a:defRPr sz="1600"/>
-            </a:lvl4pPr>
-            <a:lvl5pPr marL="1828800" indent="0">
-              <a:buNone/>
-              <a:defRPr sz="1600"/>
-            </a:lvl5pPr>
-            <a:lvl6pPr marL="2286000" indent="0">
-              <a:buNone/>
-              <a:defRPr sz="1600"/>
-            </a:lvl6pPr>
-            <a:lvl7pPr marL="2743200" indent="0">
-              <a:buNone/>
-              <a:defRPr sz="1600"/>
-            </a:lvl7pPr>
-            <a:lvl8pPr marL="3200400" indent="0">
-              <a:buNone/>
-              <a:defRPr sz="1600"/>
-            </a:lvl8pPr>
-            <a:lvl9pPr marL="3657600" indent="0">
-              <a:buNone/>
-              <a:defRPr sz="1600"/>
-            </a:lvl9pPr>
           </a:lstStyle>
           <a:p>
+            <a:pPr marL="0" lvl="0" indent="0" algn="ctr">
+              <a:buNone/>
+            </a:pPr>
             <a:r>
               <a:rPr lang="de-DE" dirty="0"/>
               <a:t>Bild durch Klicken auf Symbol hinzufügen</a:t>
@@ -600,12 +576,12 @@
         </p:nvSpPr>
         <p:spPr>
           <a:xfrm>
-            <a:off x="685800" y="5299603"/>
-            <a:ext cx="10131427" cy="493712"/>
-          </a:xfrm>
-        </p:spPr>
-        <p:txBody>
-          <a:bodyPr anchor="t">
+            <a:off x="457201" y="5299603"/>
+            <a:ext cx="7772400" cy="493712"/>
+          </a:xfrm>
+        </p:spPr>
+        <p:txBody>
+          <a:bodyPr>
             <a:normAutofit/>
           </a:bodyPr>
           <a:lstStyle>
@@ -671,9 +647,9 @@
           <a:lstStyle/>
           <a:p>
             <a:fld id="{B61BEF0D-F0BB-DE4B-95CE-6DB70DBA9567}" type="datetimeFigureOut">
-              <a:rPr lang="en-US" dirty="0"/>
+              <a:rPr lang="en-US" smtClean="0"/>
               <a:pPr/>
-              <a:t>1/6/2018</a:t>
+              <a:t>1/7/2018</a:t>
             </a:fld>
             <a:endParaRPr lang="en-US" dirty="0"/>
           </a:p>
@@ -714,7 +690,7 @@
           <a:lstStyle/>
           <a:p>
             <a:fld id="{D57F1E4F-1CFF-5643-939E-217C01CDF565}" type="slidenum">
-              <a:rPr lang="en-US" dirty="0"/>
+              <a:rPr lang="en-US" smtClean="0"/>
               <a:pPr/>
               <a:t>‹Nr.›</a:t>
             </a:fld>
@@ -723,6 +699,11 @@
         </p:txBody>
       </p:sp>
     </p:spTree>
+    <p:extLst>
+      <p:ext uri="{BB962C8B-B14F-4D97-AF65-F5344CB8AC3E}">
+        <p14:creationId xmlns:p14="http://schemas.microsoft.com/office/powerpoint/2010/main" val="3280432754"/>
+      </p:ext>
+    </p:extLst>
   </p:cSld>
   <p:clrMapOvr>
     <a:masterClrMapping/>
@@ -749,7 +730,7 @@
       </p:grpSpPr>
       <p:pic>
         <p:nvPicPr>
-          <p:cNvPr id="7" name="Picture 6" descr="Celestia-R1---OverlayContentHD.png"/>
+          <p:cNvPr id="7" name="Picture 6" descr="Celestia-R1---OverlayContentSD.png"/>
           <p:cNvPicPr>
             <a:picLocks noChangeAspect="1"/>
           </p:cNvPicPr>
@@ -769,8 +750,8 @@
         </p:blipFill>
         <p:spPr>
           <a:xfrm>
-            <a:off x="0" y="0"/>
-            <a:ext cx="12188825" cy="6856214"/>
+            <a:off x="13956" y="0"/>
+            <a:ext cx="9118600" cy="6858000"/>
           </a:xfrm>
           <a:prstGeom prst="rect">
             <a:avLst/>
@@ -789,8 +770,8 @@
         </p:nvSpPr>
         <p:spPr>
           <a:xfrm>
-            <a:off x="685801" y="609601"/>
-            <a:ext cx="10131427" cy="3124199"/>
+            <a:off x="457203" y="609602"/>
+            <a:ext cx="7772399" cy="3124199"/>
           </a:xfrm>
         </p:spPr>
         <p:txBody>
@@ -823,8 +804,8 @@
         </p:nvSpPr>
         <p:spPr>
           <a:xfrm>
-            <a:off x="685800" y="4343400"/>
-            <a:ext cx="10131428" cy="1447800"/>
+            <a:off x="457202" y="4343400"/>
+            <a:ext cx="7772399" cy="1447800"/>
           </a:xfrm>
         </p:spPr>
         <p:txBody>
@@ -946,9 +927,9 @@
           <a:lstStyle/>
           <a:p>
             <a:fld id="{B61BEF0D-F0BB-DE4B-95CE-6DB70DBA9567}" type="datetimeFigureOut">
-              <a:rPr lang="en-US" dirty="0"/>
+              <a:rPr lang="en-US" smtClean="0"/>
               <a:pPr/>
-              <a:t>1/6/2018</a:t>
+              <a:t>1/7/2018</a:t>
             </a:fld>
             <a:endParaRPr lang="en-US" dirty="0"/>
           </a:p>
@@ -989,7 +970,7 @@
           <a:lstStyle/>
           <a:p>
             <a:fld id="{D57F1E4F-1CFF-5643-939E-217C01CDF565}" type="slidenum">
-              <a:rPr lang="en-US" dirty="0"/>
+              <a:rPr lang="en-US" smtClean="0"/>
               <a:pPr/>
               <a:t>‹Nr.›</a:t>
             </a:fld>
@@ -998,6 +979,11 @@
         </p:txBody>
       </p:sp>
     </p:spTree>
+    <p:extLst>
+      <p:ext uri="{BB962C8B-B14F-4D97-AF65-F5344CB8AC3E}">
+        <p14:creationId xmlns:p14="http://schemas.microsoft.com/office/powerpoint/2010/main" val="2760927379"/>
+      </p:ext>
+    </p:extLst>
   </p:cSld>
   <p:clrMapOvr>
     <a:masterClrMapping/>
@@ -1024,7 +1010,7 @@
       </p:grpSpPr>
       <p:pic>
         <p:nvPicPr>
-          <p:cNvPr id="11" name="Picture 10" descr="Celestia-R1---OverlayContentHD.png"/>
+          <p:cNvPr id="17" name="Picture 16" descr="Celestia-R1---OverlayContentSD.png"/>
           <p:cNvPicPr>
             <a:picLocks noChangeAspect="1"/>
           </p:cNvPicPr>
@@ -1044,8 +1030,8 @@
         </p:blipFill>
         <p:spPr>
           <a:xfrm>
-            <a:off x="0" y="0"/>
-            <a:ext cx="12188825" cy="6856214"/>
+            <a:off x="13956" y="0"/>
+            <a:ext cx="9118600" cy="6858000"/>
           </a:xfrm>
           <a:prstGeom prst="rect">
             <a:avLst/>
@@ -1054,14 +1040,14 @@
       </p:pic>
       <p:sp>
         <p:nvSpPr>
-          <p:cNvPr id="13" name="TextBox 12"/>
+          <p:cNvPr id="15" name="TextBox 14"/>
           <p:cNvSpPr txBox="1"/>
           <p:nvPr/>
         </p:nvSpPr>
         <p:spPr>
           <a:xfrm>
-            <a:off x="10237867" y="2743200"/>
-            <a:ext cx="609600" cy="584776"/>
+            <a:off x="7735800" y="2751671"/>
+            <a:ext cx="457319" cy="584776"/>
           </a:xfrm>
           <a:prstGeom prst="rect">
             <a:avLst/>
@@ -1170,14 +1156,14 @@
       </p:sp>
       <p:sp>
         <p:nvSpPr>
-          <p:cNvPr id="14" name="TextBox 13"/>
+          <p:cNvPr id="11" name="TextBox 10"/>
           <p:cNvSpPr txBox="1"/>
           <p:nvPr/>
         </p:nvSpPr>
         <p:spPr>
           <a:xfrm>
-            <a:off x="488275" y="823337"/>
-            <a:ext cx="609600" cy="584776"/>
+            <a:off x="421796" y="718114"/>
+            <a:ext cx="457319" cy="584776"/>
           </a:xfrm>
           <a:prstGeom prst="rect">
             <a:avLst/>
@@ -1271,7 +1257,7 @@
             </a:lvl9pPr>
           </a:lstStyle>
           <a:p>
-            <a:pPr lvl="0" algn="r"/>
+            <a:pPr lvl="0"/>
             <a:r>
               <a:rPr lang="en-US" sz="8000" dirty="0">
                 <a:solidFill>
@@ -1286,7 +1272,7 @@
       </p:sp>
       <p:sp>
         <p:nvSpPr>
-          <p:cNvPr id="16" name="Title 1"/>
+          <p:cNvPr id="12" name="Title 1"/>
           <p:cNvSpPr>
             <a:spLocks noGrp="1"/>
           </p:cNvSpPr>
@@ -1296,8 +1282,8 @@
         </p:nvSpPr>
         <p:spPr>
           <a:xfrm>
-            <a:off x="992267" y="609601"/>
-            <a:ext cx="9550399" cy="2743199"/>
+            <a:off x="879115" y="609602"/>
+            <a:ext cx="7091297" cy="2743199"/>
           </a:xfrm>
         </p:spPr>
         <p:txBody>
@@ -1324,7 +1310,7 @@
       </p:sp>
       <p:sp>
         <p:nvSpPr>
-          <p:cNvPr id="10" name="Text Placeholder 9"/>
+          <p:cNvPr id="13" name="Text Placeholder 9"/>
           <p:cNvSpPr>
             <a:spLocks noGrp="1"/>
           </p:cNvSpPr>
@@ -1334,17 +1320,19 @@
         </p:nvSpPr>
         <p:spPr>
           <a:xfrm>
-            <a:off x="1097875" y="3352800"/>
-            <a:ext cx="9339184" cy="381000"/>
-          </a:xfrm>
-        </p:spPr>
-        <p:txBody>
-          <a:bodyPr anchor="ctr"/>
+            <a:off x="988671" y="3352800"/>
+            <a:ext cx="6876133" cy="381000"/>
+          </a:xfrm>
+        </p:spPr>
+        <p:txBody>
+          <a:bodyPr anchor="ctr">
+            <a:normAutofit/>
+          </a:bodyPr>
           <a:lstStyle>
             <a:lvl1pPr marL="0" indent="0">
               <a:buFontTx/>
               <a:buNone/>
-              <a:defRPr/>
+              <a:defRPr sz="1600"/>
             </a:lvl1pPr>
             <a:lvl2pPr marL="457200" indent="0">
               <a:buFontTx/>
@@ -1388,8 +1376,8 @@
         </p:nvSpPr>
         <p:spPr>
           <a:xfrm>
-            <a:off x="687465" y="4343400"/>
-            <a:ext cx="10152367" cy="1447800"/>
+            <a:off x="462266" y="4343400"/>
+            <a:ext cx="7772400" cy="1447800"/>
           </a:xfrm>
         </p:spPr>
         <p:txBody>
@@ -1511,9 +1499,9 @@
           <a:lstStyle/>
           <a:p>
             <a:fld id="{B61BEF0D-F0BB-DE4B-95CE-6DB70DBA9567}" type="datetimeFigureOut">
-              <a:rPr lang="en-US" dirty="0"/>
+              <a:rPr lang="en-US" smtClean="0"/>
               <a:pPr/>
-              <a:t>1/6/2018</a:t>
+              <a:t>1/7/2018</a:t>
             </a:fld>
             <a:endParaRPr lang="en-US" dirty="0"/>
           </a:p>
@@ -1554,7 +1542,7 @@
           <a:lstStyle/>
           <a:p>
             <a:fld id="{D57F1E4F-1CFF-5643-939E-217C01CDF565}" type="slidenum">
-              <a:rPr lang="en-US" dirty="0"/>
+              <a:rPr lang="en-US" smtClean="0"/>
               <a:pPr/>
               <a:t>‹Nr.›</a:t>
             </a:fld>
@@ -1563,6 +1551,11 @@
         </p:txBody>
       </p:sp>
     </p:spTree>
+    <p:extLst>
+      <p:ext uri="{BB962C8B-B14F-4D97-AF65-F5344CB8AC3E}">
+        <p14:creationId xmlns:p14="http://schemas.microsoft.com/office/powerpoint/2010/main" val="3535780663"/>
+      </p:ext>
+    </p:extLst>
   </p:cSld>
   <p:clrMapOvr>
     <a:masterClrMapping/>
@@ -1589,7 +1582,7 @@
       </p:grpSpPr>
       <p:pic>
         <p:nvPicPr>
-          <p:cNvPr id="7" name="Picture 6" descr="Celestia-R1---OverlayContentHD.png"/>
+          <p:cNvPr id="7" name="Picture 6" descr="Celestia-R1---OverlayContentSD.png"/>
           <p:cNvPicPr>
             <a:picLocks noChangeAspect="1"/>
           </p:cNvPicPr>
@@ -1609,8 +1602,8 @@
         </p:blipFill>
         <p:spPr>
           <a:xfrm>
-            <a:off x="0" y="0"/>
-            <a:ext cx="12188825" cy="6856214"/>
+            <a:off x="13956" y="0"/>
+            <a:ext cx="9118600" cy="6858000"/>
           </a:xfrm>
           <a:prstGeom prst="rect">
             <a:avLst/>
@@ -1629,8 +1622,8 @@
         </p:nvSpPr>
         <p:spPr>
           <a:xfrm>
-            <a:off x="685802" y="3308581"/>
-            <a:ext cx="10131425" cy="1468800"/>
+            <a:off x="457201" y="3291648"/>
+            <a:ext cx="7772401" cy="1468800"/>
           </a:xfrm>
         </p:spPr>
         <p:txBody>
@@ -1639,7 +1632,7 @@
           </a:bodyPr>
           <a:lstStyle>
             <a:lvl1pPr algn="l">
-              <a:defRPr sz="3200" b="0" cap="none"/>
+              <a:defRPr sz="2800" b="0" cap="none"/>
             </a:lvl1pPr>
           </a:lstStyle>
           <a:p>
@@ -1663,8 +1656,8 @@
         </p:nvSpPr>
         <p:spPr>
           <a:xfrm>
-            <a:off x="685801" y="4777381"/>
-            <a:ext cx="10131426" cy="860400"/>
+            <a:off x="457200" y="4760448"/>
+            <a:ext cx="7772402" cy="860400"/>
           </a:xfrm>
         </p:spPr>
         <p:txBody>
@@ -1674,7 +1667,7 @@
           <a:lstStyle>
             <a:lvl1pPr marL="0" indent="0" algn="l">
               <a:buNone/>
-              <a:defRPr sz="2000">
+              <a:defRPr sz="1800">
                 <a:solidFill>
                   <a:schemeClr val="tx1"/>
                 </a:solidFill>
@@ -1786,9 +1779,9 @@
           <a:lstStyle/>
           <a:p>
             <a:fld id="{B61BEF0D-F0BB-DE4B-95CE-6DB70DBA9567}" type="datetimeFigureOut">
-              <a:rPr lang="en-US" dirty="0"/>
+              <a:rPr lang="en-US" smtClean="0"/>
               <a:pPr/>
-              <a:t>1/6/2018</a:t>
+              <a:t>1/7/2018</a:t>
             </a:fld>
             <a:endParaRPr lang="en-US" dirty="0"/>
           </a:p>
@@ -1829,7 +1822,7 @@
           <a:lstStyle/>
           <a:p>
             <a:fld id="{D57F1E4F-1CFF-5643-939E-217C01CDF565}" type="slidenum">
-              <a:rPr lang="en-US" dirty="0"/>
+              <a:rPr lang="en-US" smtClean="0"/>
               <a:pPr/>
               <a:t>‹Nr.›</a:t>
             </a:fld>
@@ -1838,6 +1831,11 @@
         </p:txBody>
       </p:sp>
     </p:spTree>
+    <p:extLst>
+      <p:ext uri="{BB962C8B-B14F-4D97-AF65-F5344CB8AC3E}">
+        <p14:creationId xmlns:p14="http://schemas.microsoft.com/office/powerpoint/2010/main" val="3502878691"/>
+      </p:ext>
+    </p:extLst>
   </p:cSld>
   <p:clrMapOvr>
     <a:masterClrMapping/>
@@ -1864,7 +1862,7 @@
       </p:grpSpPr>
       <p:pic>
         <p:nvPicPr>
-          <p:cNvPr id="11" name="Picture 10" descr="Celestia-R1---OverlayContentHD.png"/>
+          <p:cNvPr id="13" name="Picture 12" descr="Celestia-R1---OverlayContentSD.png"/>
           <p:cNvPicPr>
             <a:picLocks noChangeAspect="1"/>
           </p:cNvPicPr>
@@ -1884,8 +1882,8 @@
         </p:blipFill>
         <p:spPr>
           <a:xfrm>
-            <a:off x="0" y="0"/>
-            <a:ext cx="12188825" cy="6856214"/>
+            <a:off x="13956" y="0"/>
+            <a:ext cx="9118600" cy="6858000"/>
           </a:xfrm>
           <a:prstGeom prst="rect">
             <a:avLst/>
@@ -1894,14 +1892,14 @@
       </p:pic>
       <p:sp>
         <p:nvSpPr>
-          <p:cNvPr id="13" name="TextBox 12"/>
+          <p:cNvPr id="16" name="TextBox 15"/>
           <p:cNvSpPr txBox="1"/>
           <p:nvPr/>
         </p:nvSpPr>
         <p:spPr>
           <a:xfrm>
-            <a:off x="10237867" y="2743200"/>
-            <a:ext cx="609600" cy="584776"/>
+            <a:off x="7735800" y="2751671"/>
+            <a:ext cx="457319" cy="584776"/>
           </a:xfrm>
           <a:prstGeom prst="rect">
             <a:avLst/>
@@ -2010,14 +2008,14 @@
       </p:sp>
       <p:sp>
         <p:nvSpPr>
-          <p:cNvPr id="14" name="TextBox 13"/>
+          <p:cNvPr id="11" name="TextBox 10"/>
           <p:cNvSpPr txBox="1"/>
           <p:nvPr/>
         </p:nvSpPr>
         <p:spPr>
           <a:xfrm>
-            <a:off x="488275" y="823337"/>
-            <a:ext cx="609600" cy="584776"/>
+            <a:off x="421796" y="718114"/>
+            <a:ext cx="457319" cy="584776"/>
           </a:xfrm>
           <a:prstGeom prst="rect">
             <a:avLst/>
@@ -2111,7 +2109,7 @@
             </a:lvl9pPr>
           </a:lstStyle>
           <a:p>
-            <a:pPr lvl="0" algn="r"/>
+            <a:pPr lvl="0"/>
             <a:r>
               <a:rPr lang="en-US" sz="8000" dirty="0">
                 <a:solidFill>
@@ -2126,7 +2124,7 @@
       </p:sp>
       <p:sp>
         <p:nvSpPr>
-          <p:cNvPr id="16" name="Title 1"/>
+          <p:cNvPr id="12" name="Title 1"/>
           <p:cNvSpPr>
             <a:spLocks noGrp="1"/>
           </p:cNvSpPr>
@@ -2136,8 +2134,8 @@
         </p:nvSpPr>
         <p:spPr>
           <a:xfrm>
-            <a:off x="992267" y="609601"/>
-            <a:ext cx="9550399" cy="2743199"/>
+            <a:off x="879115" y="609602"/>
+            <a:ext cx="7091297" cy="2743199"/>
           </a:xfrm>
         </p:spPr>
         <p:txBody>
@@ -2174,8 +2172,8 @@
         </p:nvSpPr>
         <p:spPr>
           <a:xfrm>
-            <a:off x="685800" y="3886200"/>
-            <a:ext cx="10135436" cy="889000"/>
+            <a:off x="457200" y="3886200"/>
+            <a:ext cx="7772401" cy="889000"/>
           </a:xfrm>
         </p:spPr>
         <p:txBody>
@@ -2185,7 +2183,7 @@
           <a:lstStyle>
             <a:lvl1pPr>
               <a:buNone/>
-              <a:defRPr lang="en-US" sz="2400" b="0" cap="none" dirty="0">
+              <a:defRPr lang="en-US" sz="2000" b="0" cap="none" dirty="0">
                 <a:ln w="3175" cmpd="sng">
                   <a:noFill/>
                 </a:ln>
@@ -2222,8 +2220,8 @@
         </p:nvSpPr>
         <p:spPr>
           <a:xfrm>
-            <a:off x="685799" y="4775200"/>
-            <a:ext cx="10135436" cy="1016000"/>
+            <a:off x="457200" y="4775200"/>
+            <a:ext cx="7772401" cy="1016000"/>
           </a:xfrm>
         </p:spPr>
         <p:txBody>
@@ -2233,7 +2231,7 @@
           <a:lstStyle>
             <a:lvl1pPr marL="0" indent="0" algn="l">
               <a:buNone/>
-              <a:defRPr sz="1800">
+              <a:defRPr sz="1600">
                 <a:solidFill>
                   <a:schemeClr val="tx1"/>
                 </a:solidFill>
@@ -2241,7 +2239,7 @@
             </a:lvl1pPr>
             <a:lvl2pPr marL="457200" indent="0">
               <a:buNone/>
-              <a:defRPr sz="1800">
+              <a:defRPr sz="1600">
                 <a:solidFill>
                   <a:schemeClr val="tx1">
                     <a:tint val="75000"/>
@@ -2345,9 +2343,9 @@
           <a:lstStyle/>
           <a:p>
             <a:fld id="{B61BEF0D-F0BB-DE4B-95CE-6DB70DBA9567}" type="datetimeFigureOut">
-              <a:rPr lang="en-US" dirty="0"/>
+              <a:rPr lang="en-US" smtClean="0"/>
               <a:pPr/>
-              <a:t>1/6/2018</a:t>
+              <a:t>1/7/2018</a:t>
             </a:fld>
             <a:endParaRPr lang="en-US" dirty="0"/>
           </a:p>
@@ -2388,7 +2386,7 @@
           <a:lstStyle/>
           <a:p>
             <a:fld id="{D57F1E4F-1CFF-5643-939E-217C01CDF565}" type="slidenum">
-              <a:rPr lang="en-US" dirty="0"/>
+              <a:rPr lang="en-US" smtClean="0"/>
               <a:pPr/>
               <a:t>‹Nr.›</a:t>
             </a:fld>
@@ -2397,6 +2395,11 @@
         </p:txBody>
       </p:sp>
     </p:spTree>
+    <p:extLst>
+      <p:ext uri="{BB962C8B-B14F-4D97-AF65-F5344CB8AC3E}">
+        <p14:creationId xmlns:p14="http://schemas.microsoft.com/office/powerpoint/2010/main" val="3353372811"/>
+      </p:ext>
+    </p:extLst>
   </p:cSld>
   <p:clrMapOvr>
     <a:masterClrMapping/>
@@ -2423,7 +2426,7 @@
       </p:grpSpPr>
       <p:pic>
         <p:nvPicPr>
-          <p:cNvPr id="8" name="Picture 7" descr="Celestia-R1---OverlayContentHD.png"/>
+          <p:cNvPr id="8" name="Picture 7" descr="Celestia-R1---OverlayContentSD.png"/>
           <p:cNvPicPr>
             <a:picLocks noChangeAspect="1"/>
           </p:cNvPicPr>
@@ -2443,8 +2446,8 @@
         </p:blipFill>
         <p:spPr>
           <a:xfrm>
-            <a:off x="0" y="0"/>
-            <a:ext cx="12188825" cy="6856214"/>
+            <a:off x="13956" y="0"/>
+            <a:ext cx="9118600" cy="6858000"/>
           </a:xfrm>
           <a:prstGeom prst="rect">
             <a:avLst/>
@@ -2463,8 +2466,8 @@
         </p:nvSpPr>
         <p:spPr>
           <a:xfrm>
-            <a:off x="685801" y="609601"/>
-            <a:ext cx="10131427" cy="2743199"/>
+            <a:off x="464440" y="609602"/>
+            <a:ext cx="7772401" cy="2743199"/>
           </a:xfrm>
         </p:spPr>
         <p:txBody>
@@ -2473,7 +2476,7 @@
           </a:bodyPr>
           <a:lstStyle>
             <a:lvl1pPr>
-              <a:defRPr lang="en-US" b="0" dirty="0"/>
+              <a:defRPr lang="en-US" sz="2800" b="0" dirty="0"/>
             </a:lvl1pPr>
           </a:lstStyle>
           <a:p>
@@ -2498,8 +2501,8 @@
         </p:nvSpPr>
         <p:spPr>
           <a:xfrm>
-            <a:off x="685801" y="3505200"/>
-            <a:ext cx="10131428" cy="838200"/>
+            <a:off x="464440" y="3505200"/>
+            <a:ext cx="7772401" cy="838200"/>
           </a:xfrm>
         </p:spPr>
         <p:txBody>
@@ -2509,7 +2512,7 @@
           <a:lstStyle>
             <a:lvl1pPr>
               <a:buNone/>
-              <a:defRPr lang="en-US" sz="2800" b="0" cap="none" dirty="0">
+              <a:defRPr lang="en-US" sz="2000" b="0" cap="none" dirty="0">
                 <a:ln w="3175" cmpd="sng">
                   <a:noFill/>
                 </a:ln>
@@ -2546,8 +2549,8 @@
         </p:nvSpPr>
         <p:spPr>
           <a:xfrm>
-            <a:off x="685800" y="4343400"/>
-            <a:ext cx="10131428" cy="1447800"/>
+            <a:off x="464439" y="4343400"/>
+            <a:ext cx="7772401" cy="1447800"/>
           </a:xfrm>
         </p:spPr>
         <p:txBody>
@@ -2557,7 +2560,7 @@
           <a:lstStyle>
             <a:lvl1pPr marL="0" indent="0" algn="l">
               <a:buNone/>
-              <a:defRPr sz="1800">
+              <a:defRPr sz="1600">
                 <a:solidFill>
                   <a:schemeClr val="tx1"/>
                 </a:solidFill>
@@ -2565,7 +2568,7 @@
             </a:lvl1pPr>
             <a:lvl2pPr marL="457200" indent="0">
               <a:buNone/>
-              <a:defRPr sz="1800">
+              <a:defRPr sz="1600">
                 <a:solidFill>
                   <a:schemeClr val="tx1">
                     <a:tint val="75000"/>
@@ -2669,9 +2672,9 @@
           <a:lstStyle/>
           <a:p>
             <a:fld id="{B61BEF0D-F0BB-DE4B-95CE-6DB70DBA9567}" type="datetimeFigureOut">
-              <a:rPr lang="en-US" dirty="0"/>
+              <a:rPr lang="en-US" smtClean="0"/>
               <a:pPr/>
-              <a:t>1/6/2018</a:t>
+              <a:t>1/7/2018</a:t>
             </a:fld>
             <a:endParaRPr lang="en-US" dirty="0"/>
           </a:p>
@@ -2712,7 +2715,7 @@
           <a:lstStyle/>
           <a:p>
             <a:fld id="{D57F1E4F-1CFF-5643-939E-217C01CDF565}" type="slidenum">
-              <a:rPr lang="en-US" dirty="0"/>
+              <a:rPr lang="en-US" smtClean="0"/>
               <a:pPr/>
               <a:t>‹Nr.›</a:t>
             </a:fld>
@@ -2721,6 +2724,11 @@
         </p:txBody>
       </p:sp>
     </p:spTree>
+    <p:extLst>
+      <p:ext uri="{BB962C8B-B14F-4D97-AF65-F5344CB8AC3E}">
+        <p14:creationId xmlns:p14="http://schemas.microsoft.com/office/powerpoint/2010/main" val="3285734743"/>
+      </p:ext>
+    </p:extLst>
   </p:cSld>
   <p:clrMapOvr>
     <a:masterClrMapping/>
@@ -2747,7 +2755,7 @@
       </p:grpSpPr>
       <p:pic>
         <p:nvPicPr>
-          <p:cNvPr id="7" name="Picture 6" descr="Celestia-R1---OverlayContentHD.png"/>
+          <p:cNvPr id="7" name="Picture 6" descr="Celestia-R1---OverlayContentSD.png"/>
           <p:cNvPicPr>
             <a:picLocks noChangeAspect="1"/>
           </p:cNvPicPr>
@@ -2767,8 +2775,8 @@
         </p:blipFill>
         <p:spPr>
           <a:xfrm>
-            <a:off x="0" y="0"/>
-            <a:ext cx="12188825" cy="6856214"/>
+            <a:off x="13956" y="0"/>
+            <a:ext cx="9118600" cy="6858000"/>
           </a:xfrm>
           <a:prstGeom prst="rect">
             <a:avLst/>
@@ -2787,82 +2795,131 @@
         </p:nvSpPr>
         <p:spPr>
           <a:xfrm>
-            <a:off x="685801" y="609600"/>
-            <a:ext cx="10131425" cy="1456267"/>
-          </a:xfrm>
-        </p:spPr>
+            <a:off x="457200" y="609601"/>
+            <a:ext cx="7772400" cy="1456267"/>
+          </a:xfrm>
+        </p:spPr>
+        <p:txBody>
+          <a:bodyPr>
+            <a:normAutofit/>
+          </a:bodyPr>
+          <a:lstStyle>
+            <a:lvl1pPr>
+              <a:defRPr sz="2800"/>
+            </a:lvl1pPr>
+          </a:lstStyle>
+          <a:p>
+            <a:r>
+              <a:rPr lang="de-DE"/>
+              <a:t>Mastertitelformat bearbeiten</a:t>
+            </a:r>
+            <a:endParaRPr lang="en-US" dirty="0"/>
+          </a:p>
+        </p:txBody>
+      </p:sp>
+      <p:sp>
+        <p:nvSpPr>
+          <p:cNvPr id="3" name="Vertical Text Placeholder 2"/>
+          <p:cNvSpPr>
+            <a:spLocks noGrp="1"/>
+          </p:cNvSpPr>
+          <p:nvPr>
+            <p:ph type="body" orient="vert" idx="1"/>
+          </p:nvPr>
+        </p:nvSpPr>
+        <p:spPr/>
+        <p:txBody>
+          <a:bodyPr vert="eaVert" anchor="t"/>
+          <a:lstStyle/>
+          <a:p>
+            <a:pPr lvl="0"/>
+            <a:r>
+              <a:rPr lang="de-DE"/>
+              <a:t>Mastertextformat bearbeiten</a:t>
+            </a:r>
+          </a:p>
+          <a:p>
+            <a:pPr lvl="1"/>
+            <a:r>
+              <a:rPr lang="de-DE"/>
+              <a:t>Zweite Ebene</a:t>
+            </a:r>
+          </a:p>
+          <a:p>
+            <a:pPr lvl="2"/>
+            <a:r>
+              <a:rPr lang="de-DE"/>
+              <a:t>Dritte Ebene</a:t>
+            </a:r>
+          </a:p>
+          <a:p>
+            <a:pPr lvl="3"/>
+            <a:r>
+              <a:rPr lang="de-DE"/>
+              <a:t>Vierte Ebene</a:t>
+            </a:r>
+          </a:p>
+          <a:p>
+            <a:pPr lvl="4"/>
+            <a:r>
+              <a:rPr lang="de-DE"/>
+              <a:t>Fünfte Ebene</a:t>
+            </a:r>
+            <a:endParaRPr lang="en-US" dirty="0"/>
+          </a:p>
+        </p:txBody>
+      </p:sp>
+      <p:sp>
+        <p:nvSpPr>
+          <p:cNvPr id="4" name="Date Placeholder 3"/>
+          <p:cNvSpPr>
+            <a:spLocks noGrp="1"/>
+          </p:cNvSpPr>
+          <p:nvPr>
+            <p:ph type="dt" sz="half" idx="10"/>
+          </p:nvPr>
+        </p:nvSpPr>
+        <p:spPr/>
         <p:txBody>
           <a:bodyPr/>
           <a:lstStyle/>
           <a:p>
-            <a:r>
-              <a:rPr lang="de-DE"/>
-              <a:t>Mastertitelformat bearbeiten</a:t>
-            </a:r>
-            <a:endParaRPr lang="en-US" dirty="0"/>
-          </a:p>
-        </p:txBody>
-      </p:sp>
-      <p:sp>
-        <p:nvSpPr>
-          <p:cNvPr id="3" name="Vertical Text Placeholder 2"/>
-          <p:cNvSpPr>
-            <a:spLocks noGrp="1"/>
-          </p:cNvSpPr>
-          <p:nvPr>
-            <p:ph type="body" orient="vert" idx="1"/>
+            <a:fld id="{B61BEF0D-F0BB-DE4B-95CE-6DB70DBA9567}" type="datetimeFigureOut">
+              <a:rPr lang="en-US" smtClean="0"/>
+              <a:pPr/>
+              <a:t>1/7/2018</a:t>
+            </a:fld>
+            <a:endParaRPr lang="en-US" dirty="0"/>
+          </a:p>
+        </p:txBody>
+      </p:sp>
+      <p:sp>
+        <p:nvSpPr>
+          <p:cNvPr id="5" name="Footer Placeholder 4"/>
+          <p:cNvSpPr>
+            <a:spLocks noGrp="1"/>
+          </p:cNvSpPr>
+          <p:nvPr>
+            <p:ph type="ftr" sz="quarter" idx="11"/>
           </p:nvPr>
         </p:nvSpPr>
         <p:spPr/>
         <p:txBody>
-          <a:bodyPr vert="eaVert" anchor="t"/>
-          <a:lstStyle/>
-          <a:p>
-            <a:pPr lvl="0"/>
-            <a:r>
-              <a:rPr lang="de-DE"/>
-              <a:t>Mastertextformat bearbeiten</a:t>
-            </a:r>
-          </a:p>
-          <a:p>
-            <a:pPr lvl="1"/>
-            <a:r>
-              <a:rPr lang="de-DE"/>
-              <a:t>Zweite Ebene</a:t>
-            </a:r>
-          </a:p>
-          <a:p>
-            <a:pPr lvl="2"/>
-            <a:r>
-              <a:rPr lang="de-DE"/>
-              <a:t>Dritte Ebene</a:t>
-            </a:r>
-          </a:p>
-          <a:p>
-            <a:pPr lvl="3"/>
-            <a:r>
-              <a:rPr lang="de-DE"/>
-              <a:t>Vierte Ebene</a:t>
-            </a:r>
-          </a:p>
-          <a:p>
-            <a:pPr lvl="4"/>
-            <a:r>
-              <a:rPr lang="de-DE"/>
-              <a:t>Fünfte Ebene</a:t>
-            </a:r>
-            <a:endParaRPr lang="en-US" dirty="0"/>
-          </a:p>
-        </p:txBody>
-      </p:sp>
-      <p:sp>
-        <p:nvSpPr>
-          <p:cNvPr id="4" name="Date Placeholder 3"/>
-          <p:cNvSpPr>
-            <a:spLocks noGrp="1"/>
-          </p:cNvSpPr>
-          <p:nvPr>
-            <p:ph type="dt" sz="half" idx="10"/>
+          <a:bodyPr/>
+          <a:lstStyle/>
+          <a:p>
+            <a:endParaRPr lang="en-US" dirty="0"/>
+          </a:p>
+        </p:txBody>
+      </p:sp>
+      <p:sp>
+        <p:nvSpPr>
+          <p:cNvPr id="6" name="Slide Number Placeholder 5"/>
+          <p:cNvSpPr>
+            <a:spLocks noGrp="1"/>
+          </p:cNvSpPr>
+          <p:nvPr>
+            <p:ph type="sldNum" sz="quarter" idx="12"/>
           </p:nvPr>
         </p:nvSpPr>
         <p:spPr/>
@@ -2870,51 +2927,8 @@
           <a:bodyPr/>
           <a:lstStyle/>
           <a:p>
-            <a:fld id="{B61BEF0D-F0BB-DE4B-95CE-6DB70DBA9567}" type="datetimeFigureOut">
-              <a:rPr lang="en-US" dirty="0"/>
-              <a:pPr/>
-              <a:t>1/6/2018</a:t>
-            </a:fld>
-            <a:endParaRPr lang="en-US" dirty="0"/>
-          </a:p>
-        </p:txBody>
-      </p:sp>
-      <p:sp>
-        <p:nvSpPr>
-          <p:cNvPr id="5" name="Footer Placeholder 4"/>
-          <p:cNvSpPr>
-            <a:spLocks noGrp="1"/>
-          </p:cNvSpPr>
-          <p:nvPr>
-            <p:ph type="ftr" sz="quarter" idx="11"/>
-          </p:nvPr>
-        </p:nvSpPr>
-        <p:spPr/>
-        <p:txBody>
-          <a:bodyPr/>
-          <a:lstStyle/>
-          <a:p>
-            <a:endParaRPr lang="en-US" dirty="0"/>
-          </a:p>
-        </p:txBody>
-      </p:sp>
-      <p:sp>
-        <p:nvSpPr>
-          <p:cNvPr id="6" name="Slide Number Placeholder 5"/>
-          <p:cNvSpPr>
-            <a:spLocks noGrp="1"/>
-          </p:cNvSpPr>
-          <p:nvPr>
-            <p:ph type="sldNum" sz="quarter" idx="12"/>
-          </p:nvPr>
-        </p:nvSpPr>
-        <p:spPr/>
-        <p:txBody>
-          <a:bodyPr/>
-          <a:lstStyle/>
-          <a:p>
             <a:fld id="{D57F1E4F-1CFF-5643-939E-217C01CDF565}" type="slidenum">
-              <a:rPr lang="en-US" dirty="0"/>
+              <a:rPr lang="en-US" smtClean="0"/>
               <a:pPr/>
               <a:t>‹Nr.›</a:t>
             </a:fld>
@@ -2923,6 +2937,11 @@
         </p:txBody>
       </p:sp>
     </p:spTree>
+    <p:extLst>
+      <p:ext uri="{BB962C8B-B14F-4D97-AF65-F5344CB8AC3E}">
+        <p14:creationId xmlns:p14="http://schemas.microsoft.com/office/powerpoint/2010/main" val="1461609991"/>
+      </p:ext>
+    </p:extLst>
   </p:cSld>
   <p:clrMapOvr>
     <a:masterClrMapping/>
@@ -2949,7 +2968,7 @@
       </p:grpSpPr>
       <p:pic>
         <p:nvPicPr>
-          <p:cNvPr id="7" name="Picture 6" descr="Celestia-R1---OverlayContentHD.png"/>
+          <p:cNvPr id="7" name="Picture 6" descr="Celestia-R1---OverlayContentSD.png"/>
           <p:cNvPicPr>
             <a:picLocks noChangeAspect="1"/>
           </p:cNvPicPr>
@@ -2969,8 +2988,8 @@
         </p:blipFill>
         <p:spPr>
           <a:xfrm>
-            <a:off x="0" y="0"/>
-            <a:ext cx="12188825" cy="6856214"/>
+            <a:off x="13956" y="0"/>
+            <a:ext cx="9118600" cy="6858000"/>
           </a:xfrm>
           <a:prstGeom prst="rect">
             <a:avLst/>
@@ -2989,13 +3008,19 @@
         </p:nvSpPr>
         <p:spPr>
           <a:xfrm>
-            <a:off x="8658675" y="609599"/>
-            <a:ext cx="2158552" cy="5181601"/>
-          </a:xfrm>
-        </p:spPr>
-        <p:txBody>
-          <a:bodyPr vert="eaVert"/>
-          <a:lstStyle/>
+            <a:off x="6552978" y="609600"/>
+            <a:ext cx="1676621" cy="5181601"/>
+          </a:xfrm>
+        </p:spPr>
+        <p:txBody>
+          <a:bodyPr vert="eaVert">
+            <a:normAutofit/>
+          </a:bodyPr>
+          <a:lstStyle>
+            <a:lvl1pPr>
+              <a:defRPr sz="2800"/>
+            </a:lvl1pPr>
+          </a:lstStyle>
           <a:p>
             <a:r>
               <a:rPr lang="de-DE"/>
@@ -3017,8 +3042,8 @@
         </p:nvSpPr>
         <p:spPr>
           <a:xfrm>
-            <a:off x="685800" y="609600"/>
-            <a:ext cx="7832116" cy="5181600"/>
+            <a:off x="457200" y="609600"/>
+            <a:ext cx="5990184" cy="5181600"/>
           </a:xfrm>
         </p:spPr>
         <p:txBody>
@@ -3078,9 +3103,9 @@
           <a:lstStyle/>
           <a:p>
             <a:fld id="{B61BEF0D-F0BB-DE4B-95CE-6DB70DBA9567}" type="datetimeFigureOut">
-              <a:rPr lang="en-US" dirty="0"/>
+              <a:rPr lang="en-US" smtClean="0"/>
               <a:pPr/>
-              <a:t>1/6/2018</a:t>
+              <a:t>1/7/2018</a:t>
             </a:fld>
             <a:endParaRPr lang="en-US" dirty="0"/>
           </a:p>
@@ -3121,7 +3146,7 @@
           <a:lstStyle/>
           <a:p>
             <a:fld id="{D57F1E4F-1CFF-5643-939E-217C01CDF565}" type="slidenum">
-              <a:rPr lang="en-US" dirty="0"/>
+              <a:rPr lang="en-US" smtClean="0"/>
               <a:pPr/>
               <a:t>‹Nr.›</a:t>
             </a:fld>
@@ -3130,6 +3155,11 @@
         </p:txBody>
       </p:sp>
     </p:spTree>
+    <p:extLst>
+      <p:ext uri="{BB962C8B-B14F-4D97-AF65-F5344CB8AC3E}">
+        <p14:creationId xmlns:p14="http://schemas.microsoft.com/office/powerpoint/2010/main" val="629823565"/>
+      </p:ext>
+    </p:extLst>
   </p:cSld>
   <p:clrMapOvr>
     <a:masterClrMapping/>
@@ -3156,7 +3186,7 @@
       </p:grpSpPr>
       <p:pic>
         <p:nvPicPr>
-          <p:cNvPr id="7" name="Picture 6" descr="Celestia-R1---OverlayContentHD.png"/>
+          <p:cNvPr id="8" name="Picture 7" descr="Celestia-R1---OverlayContentSD.png"/>
           <p:cNvPicPr>
             <a:picLocks noChangeAspect="1"/>
           </p:cNvPicPr>
@@ -3176,8 +3206,8 @@
         </p:blipFill>
         <p:spPr>
           <a:xfrm>
-            <a:off x="0" y="0"/>
-            <a:ext cx="12188825" cy="6856214"/>
+            <a:off x="13956" y="0"/>
+            <a:ext cx="9118600" cy="6858000"/>
           </a:xfrm>
           <a:prstGeom prst="rect">
             <a:avLst/>
@@ -3196,77 +3226,126 @@
         </p:nvSpPr>
         <p:spPr/>
         <p:txBody>
+          <a:bodyPr>
+            <a:normAutofit/>
+          </a:bodyPr>
+          <a:lstStyle>
+            <a:lvl1pPr>
+              <a:defRPr sz="2800"/>
+            </a:lvl1pPr>
+          </a:lstStyle>
+          <a:p>
+            <a:r>
+              <a:rPr lang="de-DE"/>
+              <a:t>Mastertitelformat bearbeiten</a:t>
+            </a:r>
+            <a:endParaRPr lang="en-US" dirty="0"/>
+          </a:p>
+        </p:txBody>
+      </p:sp>
+      <p:sp>
+        <p:nvSpPr>
+          <p:cNvPr id="3" name="Content Placeholder 2"/>
+          <p:cNvSpPr>
+            <a:spLocks noGrp="1"/>
+          </p:cNvSpPr>
+          <p:nvPr>
+            <p:ph idx="1"/>
+          </p:nvPr>
+        </p:nvSpPr>
+        <p:spPr/>
+        <p:txBody>
+          <a:bodyPr anchor="ctr"/>
+          <a:lstStyle/>
+          <a:p>
+            <a:pPr lvl="0"/>
+            <a:r>
+              <a:rPr lang="de-DE"/>
+              <a:t>Mastertextformat bearbeiten</a:t>
+            </a:r>
+          </a:p>
+          <a:p>
+            <a:pPr lvl="1"/>
+            <a:r>
+              <a:rPr lang="de-DE"/>
+              <a:t>Zweite Ebene</a:t>
+            </a:r>
+          </a:p>
+          <a:p>
+            <a:pPr lvl="2"/>
+            <a:r>
+              <a:rPr lang="de-DE"/>
+              <a:t>Dritte Ebene</a:t>
+            </a:r>
+          </a:p>
+          <a:p>
+            <a:pPr lvl="3"/>
+            <a:r>
+              <a:rPr lang="de-DE"/>
+              <a:t>Vierte Ebene</a:t>
+            </a:r>
+          </a:p>
+          <a:p>
+            <a:pPr lvl="4"/>
+            <a:r>
+              <a:rPr lang="de-DE"/>
+              <a:t>Fünfte Ebene</a:t>
+            </a:r>
+            <a:endParaRPr lang="en-US" dirty="0"/>
+          </a:p>
+        </p:txBody>
+      </p:sp>
+      <p:sp>
+        <p:nvSpPr>
+          <p:cNvPr id="4" name="Date Placeholder 3"/>
+          <p:cNvSpPr>
+            <a:spLocks noGrp="1"/>
+          </p:cNvSpPr>
+          <p:nvPr>
+            <p:ph type="dt" sz="half" idx="10"/>
+          </p:nvPr>
+        </p:nvSpPr>
+        <p:spPr/>
+        <p:txBody>
           <a:bodyPr/>
           <a:lstStyle/>
           <a:p>
-            <a:r>
-              <a:rPr lang="de-DE"/>
-              <a:t>Mastertitelformat bearbeiten</a:t>
-            </a:r>
-            <a:endParaRPr lang="en-US" dirty="0"/>
-          </a:p>
-        </p:txBody>
-      </p:sp>
-      <p:sp>
-        <p:nvSpPr>
-          <p:cNvPr id="3" name="Content Placeholder 2"/>
-          <p:cNvSpPr>
-            <a:spLocks noGrp="1"/>
-          </p:cNvSpPr>
-          <p:nvPr>
-            <p:ph idx="1"/>
+            <a:fld id="{B61BEF0D-F0BB-DE4B-95CE-6DB70DBA9567}" type="datetimeFigureOut">
+              <a:rPr lang="en-US" smtClean="0"/>
+              <a:pPr/>
+              <a:t>1/7/2018</a:t>
+            </a:fld>
+            <a:endParaRPr lang="en-US" dirty="0"/>
+          </a:p>
+        </p:txBody>
+      </p:sp>
+      <p:sp>
+        <p:nvSpPr>
+          <p:cNvPr id="5" name="Footer Placeholder 4"/>
+          <p:cNvSpPr>
+            <a:spLocks noGrp="1"/>
+          </p:cNvSpPr>
+          <p:nvPr>
+            <p:ph type="ftr" sz="quarter" idx="11"/>
           </p:nvPr>
         </p:nvSpPr>
         <p:spPr/>
         <p:txBody>
-          <a:bodyPr anchor="ctr"/>
-          <a:lstStyle/>
-          <a:p>
-            <a:pPr lvl="0"/>
-            <a:r>
-              <a:rPr lang="de-DE"/>
-              <a:t>Mastertextformat bearbeiten</a:t>
-            </a:r>
-          </a:p>
-          <a:p>
-            <a:pPr lvl="1"/>
-            <a:r>
-              <a:rPr lang="de-DE"/>
-              <a:t>Zweite Ebene</a:t>
-            </a:r>
-          </a:p>
-          <a:p>
-            <a:pPr lvl="2"/>
-            <a:r>
-              <a:rPr lang="de-DE"/>
-              <a:t>Dritte Ebene</a:t>
-            </a:r>
-          </a:p>
-          <a:p>
-            <a:pPr lvl="3"/>
-            <a:r>
-              <a:rPr lang="de-DE"/>
-              <a:t>Vierte Ebene</a:t>
-            </a:r>
-          </a:p>
-          <a:p>
-            <a:pPr lvl="4"/>
-            <a:r>
-              <a:rPr lang="de-DE"/>
-              <a:t>Fünfte Ebene</a:t>
-            </a:r>
-            <a:endParaRPr lang="en-US" dirty="0"/>
-          </a:p>
-        </p:txBody>
-      </p:sp>
-      <p:sp>
-        <p:nvSpPr>
-          <p:cNvPr id="4" name="Date Placeholder 3"/>
-          <p:cNvSpPr>
-            <a:spLocks noGrp="1"/>
-          </p:cNvSpPr>
-          <p:nvPr>
-            <p:ph type="dt" sz="half" idx="10"/>
+          <a:bodyPr/>
+          <a:lstStyle/>
+          <a:p>
+            <a:endParaRPr lang="en-US" dirty="0"/>
+          </a:p>
+        </p:txBody>
+      </p:sp>
+      <p:sp>
+        <p:nvSpPr>
+          <p:cNvPr id="6" name="Slide Number Placeholder 5"/>
+          <p:cNvSpPr>
+            <a:spLocks noGrp="1"/>
+          </p:cNvSpPr>
+          <p:nvPr>
+            <p:ph type="sldNum" sz="quarter" idx="12"/>
           </p:nvPr>
         </p:nvSpPr>
         <p:spPr/>
@@ -3274,51 +3353,8 @@
           <a:bodyPr/>
           <a:lstStyle/>
           <a:p>
-            <a:fld id="{B61BEF0D-F0BB-DE4B-95CE-6DB70DBA9567}" type="datetimeFigureOut">
-              <a:rPr lang="en-US" dirty="0"/>
-              <a:pPr/>
-              <a:t>1/6/2018</a:t>
-            </a:fld>
-            <a:endParaRPr lang="en-US" dirty="0"/>
-          </a:p>
-        </p:txBody>
-      </p:sp>
-      <p:sp>
-        <p:nvSpPr>
-          <p:cNvPr id="5" name="Footer Placeholder 4"/>
-          <p:cNvSpPr>
-            <a:spLocks noGrp="1"/>
-          </p:cNvSpPr>
-          <p:nvPr>
-            <p:ph type="ftr" sz="quarter" idx="11"/>
-          </p:nvPr>
-        </p:nvSpPr>
-        <p:spPr/>
-        <p:txBody>
-          <a:bodyPr/>
-          <a:lstStyle/>
-          <a:p>
-            <a:endParaRPr lang="en-US" dirty="0"/>
-          </a:p>
-        </p:txBody>
-      </p:sp>
-      <p:sp>
-        <p:nvSpPr>
-          <p:cNvPr id="6" name="Slide Number Placeholder 5"/>
-          <p:cNvSpPr>
-            <a:spLocks noGrp="1"/>
-          </p:cNvSpPr>
-          <p:nvPr>
-            <p:ph type="sldNum" sz="quarter" idx="12"/>
-          </p:nvPr>
-        </p:nvSpPr>
-        <p:spPr/>
-        <p:txBody>
-          <a:bodyPr/>
-          <a:lstStyle/>
-          <a:p>
             <a:fld id="{D57F1E4F-1CFF-5643-939E-217C01CDF565}" type="slidenum">
-              <a:rPr lang="en-US" dirty="0"/>
+              <a:rPr lang="en-US" smtClean="0"/>
               <a:pPr/>
               <a:t>‹Nr.›</a:t>
             </a:fld>
@@ -3327,6 +3363,11 @@
         </p:txBody>
       </p:sp>
     </p:spTree>
+    <p:extLst>
+      <p:ext uri="{BB962C8B-B14F-4D97-AF65-F5344CB8AC3E}">
+        <p14:creationId xmlns:p14="http://schemas.microsoft.com/office/powerpoint/2010/main" val="1603644882"/>
+      </p:ext>
+    </p:extLst>
   </p:cSld>
   <p:clrMapOvr>
     <a:masterClrMapping/>
@@ -3353,7 +3394,7 @@
       </p:grpSpPr>
       <p:pic>
         <p:nvPicPr>
-          <p:cNvPr id="7" name="Picture 6" descr="Celestia-R1---OverlayContentHD.png"/>
+          <p:cNvPr id="8" name="Picture 7" descr="Celestia-R1---OverlayContentSD.png"/>
           <p:cNvPicPr>
             <a:picLocks noChangeAspect="1"/>
           </p:cNvPicPr>
@@ -3373,8 +3414,8 @@
         </p:blipFill>
         <p:spPr>
           <a:xfrm>
-            <a:off x="0" y="0"/>
-            <a:ext cx="12188825" cy="6856214"/>
+            <a:off x="13956" y="0"/>
+            <a:ext cx="9118600" cy="6858000"/>
           </a:xfrm>
           <a:prstGeom prst="rect">
             <a:avLst/>
@@ -3393,15 +3434,17 @@
         </p:nvSpPr>
         <p:spPr>
           <a:xfrm>
-            <a:off x="685800" y="3308581"/>
-            <a:ext cx="10131427" cy="1468800"/>
-          </a:xfrm>
-        </p:spPr>
-        <p:txBody>
-          <a:bodyPr anchor="b"/>
+            <a:off x="457202" y="3308581"/>
+            <a:ext cx="7772400" cy="1468800"/>
+          </a:xfrm>
+        </p:spPr>
+        <p:txBody>
+          <a:bodyPr anchor="b">
+            <a:normAutofit/>
+          </a:bodyPr>
           <a:lstStyle>
             <a:lvl1pPr algn="l">
-              <a:defRPr sz="4000" b="0" cap="all"/>
+              <a:defRPr sz="3200" b="0" cap="all"/>
             </a:lvl1pPr>
           </a:lstStyle>
           <a:p>
@@ -3425,8 +3468,8 @@
         </p:nvSpPr>
         <p:spPr>
           <a:xfrm>
-            <a:off x="685799" y="4777381"/>
-            <a:ext cx="10131428" cy="860400"/>
+            <a:off x="457201" y="4777381"/>
+            <a:ext cx="7772400" cy="860400"/>
           </a:xfrm>
         </p:spPr>
         <p:txBody>
@@ -3436,7 +3479,7 @@
           <a:lstStyle>
             <a:lvl1pPr marL="0" indent="0" algn="l">
               <a:buNone/>
-              <a:defRPr sz="2000" cap="all">
+              <a:defRPr sz="1800" cap="all">
                 <a:solidFill>
                   <a:schemeClr val="tx1"/>
                 </a:solidFill>
@@ -3548,9 +3591,9 @@
           <a:lstStyle/>
           <a:p>
             <a:fld id="{B61BEF0D-F0BB-DE4B-95CE-6DB70DBA9567}" type="datetimeFigureOut">
-              <a:rPr lang="en-US" dirty="0"/>
+              <a:rPr lang="en-US" smtClean="0"/>
               <a:pPr/>
-              <a:t>1/6/2018</a:t>
+              <a:t>1/7/2018</a:t>
             </a:fld>
             <a:endParaRPr lang="en-US" dirty="0"/>
           </a:p>
@@ -3591,7 +3634,7 @@
           <a:lstStyle/>
           <a:p>
             <a:fld id="{D57F1E4F-1CFF-5643-939E-217C01CDF565}" type="slidenum">
-              <a:rPr lang="en-US" dirty="0"/>
+              <a:rPr lang="en-US" smtClean="0"/>
               <a:pPr/>
               <a:t>‹Nr.›</a:t>
             </a:fld>
@@ -3600,6 +3643,11 @@
         </p:txBody>
       </p:sp>
     </p:spTree>
+    <p:extLst>
+      <p:ext uri="{BB962C8B-B14F-4D97-AF65-F5344CB8AC3E}">
+        <p14:creationId xmlns:p14="http://schemas.microsoft.com/office/powerpoint/2010/main" val="1359634145"/>
+      </p:ext>
+    </p:extLst>
   </p:cSld>
   <p:clrMapOvr>
     <a:masterClrMapping/>
@@ -3626,7 +3674,7 @@
       </p:grpSpPr>
       <p:pic>
         <p:nvPicPr>
-          <p:cNvPr id="8" name="Picture 7" descr="Celestia-R1---OverlayContentHD.png"/>
+          <p:cNvPr id="10" name="Picture 9" descr="Celestia-R1---OverlayContentSD.png"/>
           <p:cNvPicPr>
             <a:picLocks noChangeAspect="1"/>
           </p:cNvPicPr>
@@ -3646,8 +3694,8 @@
         </p:blipFill>
         <p:spPr>
           <a:xfrm>
-            <a:off x="0" y="0"/>
-            <a:ext cx="12188825" cy="6856214"/>
+            <a:off x="13956" y="0"/>
+            <a:ext cx="9118600" cy="6858000"/>
           </a:xfrm>
           <a:prstGeom prst="rect">
             <a:avLst/>
@@ -3689,8 +3737,8 @@
         </p:nvSpPr>
         <p:spPr>
           <a:xfrm>
-            <a:off x="685802" y="2142067"/>
-            <a:ext cx="4995334" cy="3649134"/>
+            <a:off x="457201" y="2142068"/>
+            <a:ext cx="3813048" cy="3649134"/>
           </a:xfrm>
         </p:spPr>
         <p:txBody>
@@ -3748,8 +3796,8 @@
         </p:nvSpPr>
         <p:spPr>
           <a:xfrm>
-            <a:off x="5821895" y="2142067"/>
-            <a:ext cx="4995332" cy="3649133"/>
+            <a:off x="4416553" y="2142068"/>
+            <a:ext cx="3813048" cy="3649133"/>
           </a:xfrm>
         </p:spPr>
         <p:txBody>
@@ -3811,9 +3859,9 @@
           <a:lstStyle/>
           <a:p>
             <a:fld id="{B61BEF0D-F0BB-DE4B-95CE-6DB70DBA9567}" type="datetimeFigureOut">
-              <a:rPr lang="en-US" dirty="0"/>
+              <a:rPr lang="en-US" smtClean="0"/>
               <a:pPr/>
-              <a:t>1/6/2018</a:t>
+              <a:t>1/7/2018</a:t>
             </a:fld>
             <a:endParaRPr lang="en-US" dirty="0"/>
           </a:p>
@@ -3854,7 +3902,7 @@
           <a:lstStyle/>
           <a:p>
             <a:fld id="{D57F1E4F-1CFF-5643-939E-217C01CDF565}" type="slidenum">
-              <a:rPr lang="en-US" dirty="0"/>
+              <a:rPr lang="en-US" smtClean="0"/>
               <a:pPr/>
               <a:t>‹Nr.›</a:t>
             </a:fld>
@@ -3863,6 +3911,11 @@
         </p:txBody>
       </p:sp>
     </p:spTree>
+    <p:extLst>
+      <p:ext uri="{BB962C8B-B14F-4D97-AF65-F5344CB8AC3E}">
+        <p14:creationId xmlns:p14="http://schemas.microsoft.com/office/powerpoint/2010/main" val="122662973"/>
+      </p:ext>
+    </p:extLst>
   </p:cSld>
   <p:clrMapOvr>
     <a:masterClrMapping/>
@@ -3887,6 +3940,36 @@
           <a:chExt cx="0" cy="0"/>
         </a:xfrm>
       </p:grpSpPr>
+      <p:pic>
+        <p:nvPicPr>
+          <p:cNvPr id="13" name="Picture 12" descr="Celestia-R1---OverlayContentSD.png"/>
+          <p:cNvPicPr>
+            <a:picLocks noChangeAspect="1"/>
+          </p:cNvPicPr>
+          <p:nvPr/>
+        </p:nvPicPr>
+        <p:blipFill>
+          <a:blip r:embed="rId2">
+            <a:extLst>
+              <a:ext uri="{28A0092B-C50C-407E-A947-70E740481C1C}">
+                <a14:useLocalDpi xmlns:a14="http://schemas.microsoft.com/office/drawing/2010/main" val="0"/>
+              </a:ext>
+            </a:extLst>
+          </a:blip>
+          <a:stretch>
+            <a:fillRect/>
+          </a:stretch>
+        </p:blipFill>
+        <p:spPr>
+          <a:xfrm>
+            <a:off x="13956" y="0"/>
+            <a:ext cx="9118600" cy="6858000"/>
+          </a:xfrm>
+          <a:prstGeom prst="rect">
+            <a:avLst/>
+          </a:prstGeom>
+        </p:spPr>
+      </p:pic>
       <p:sp>
         <p:nvSpPr>
           <p:cNvPr id="2" name="Title 1"/>
@@ -3899,10 +3982,12 @@
         </p:nvSpPr>
         <p:spPr/>
         <p:txBody>
-          <a:bodyPr/>
+          <a:bodyPr>
+            <a:normAutofit/>
+          </a:bodyPr>
           <a:lstStyle>
             <a:lvl1pPr>
-              <a:defRPr/>
+              <a:defRPr sz="3200"/>
             </a:lvl1pPr>
           </a:lstStyle>
           <a:p>
@@ -3921,13 +4006,13 @@
             <a:spLocks noGrp="1"/>
           </p:cNvSpPr>
           <p:nvPr>
-            <p:ph type="body" idx="1" hasCustomPrompt="1"/>
-          </p:nvPr>
-        </p:nvSpPr>
-        <p:spPr>
-          <a:xfrm>
-            <a:off x="973670" y="2218267"/>
-            <a:ext cx="4709054" cy="576262"/>
+            <p:ph type="body" idx="1"/>
+          </p:nvPr>
+        </p:nvSpPr>
+        <p:spPr>
+          <a:xfrm>
+            <a:off x="743480" y="2218267"/>
+            <a:ext cx="3540603" cy="576262"/>
           </a:xfrm>
         </p:spPr>
         <p:txBody>
@@ -3937,7 +4022,7 @@
           <a:lstStyle>
             <a:lvl1pPr marL="0" indent="0">
               <a:buNone/>
-              <a:defRPr sz="2800" b="0"/>
+              <a:defRPr sz="2400" b="0"/>
             </a:lvl1pPr>
             <a:lvl2pPr marL="457200" indent="0">
               <a:buNone/>
@@ -3975,8 +4060,8 @@
           <a:p>
             <a:pPr lvl="0"/>
             <a:r>
-              <a:rPr lang="en-US" dirty="0"/>
-              <a:t>CLICK TO EDIT MASTER TEXT STYLES</a:t>
+              <a:rPr lang="de-DE"/>
+              <a:t>Mastertextformat bearbeiten</a:t>
             </a:r>
           </a:p>
         </p:txBody>
@@ -3993,8 +4078,8 @@
         </p:nvSpPr>
         <p:spPr>
           <a:xfrm>
-            <a:off x="685801" y="2870201"/>
-            <a:ext cx="4996923" cy="2920998"/>
+            <a:off x="457200" y="2870201"/>
+            <a:ext cx="3813048" cy="2920998"/>
           </a:xfrm>
         </p:spPr>
         <p:txBody>
@@ -4047,13 +4132,13 @@
             <a:spLocks noGrp="1"/>
           </p:cNvSpPr>
           <p:nvPr>
-            <p:ph type="body" sz="quarter" idx="3" hasCustomPrompt="1"/>
-          </p:nvPr>
-        </p:nvSpPr>
-        <p:spPr>
-          <a:xfrm>
-            <a:off x="6096003" y="2226734"/>
-            <a:ext cx="4722813" cy="576262"/>
+            <p:ph type="body" sz="quarter" idx="3"/>
+          </p:nvPr>
+        </p:nvSpPr>
+        <p:spPr>
+          <a:xfrm>
+            <a:off x="4711120" y="2218267"/>
+            <a:ext cx="3518480" cy="576262"/>
           </a:xfrm>
         </p:spPr>
         <p:txBody>
@@ -4063,7 +4148,7 @@
           <a:lstStyle>
             <a:lvl1pPr marL="0" indent="0">
               <a:buNone/>
-              <a:defRPr sz="2800" b="0"/>
+              <a:defRPr sz="2400" b="0"/>
             </a:lvl1pPr>
             <a:lvl2pPr marL="457200" indent="0">
               <a:buNone/>
@@ -4101,8 +4186,8 @@
           <a:p>
             <a:pPr lvl="0"/>
             <a:r>
-              <a:rPr lang="en-US" dirty="0"/>
-              <a:t>CLICK TO EDIT MASTER TEXT STYLES</a:t>
+              <a:rPr lang="de-DE"/>
+              <a:t>Mastertextformat bearbeiten</a:t>
             </a:r>
           </a:p>
         </p:txBody>
@@ -4119,8 +4204,8 @@
         </p:nvSpPr>
         <p:spPr>
           <a:xfrm>
-            <a:off x="5823483" y="2870201"/>
-            <a:ext cx="4995334" cy="2920998"/>
+            <a:off x="4416552" y="2870201"/>
+            <a:ext cx="3813048" cy="2920998"/>
           </a:xfrm>
         </p:spPr>
         <p:txBody>
@@ -4182,9 +4267,9 @@
           <a:lstStyle/>
           <a:p>
             <a:fld id="{B61BEF0D-F0BB-DE4B-95CE-6DB70DBA9567}" type="datetimeFigureOut">
-              <a:rPr lang="en-US" dirty="0"/>
+              <a:rPr lang="en-US" smtClean="0"/>
               <a:pPr/>
-              <a:t>1/6/2018</a:t>
+              <a:t>1/7/2018</a:t>
             </a:fld>
             <a:endParaRPr lang="en-US" dirty="0"/>
           </a:p>
@@ -4225,7 +4310,7 @@
           <a:lstStyle/>
           <a:p>
             <a:fld id="{D57F1E4F-1CFF-5643-939E-217C01CDF565}" type="slidenum">
-              <a:rPr lang="en-US" dirty="0"/>
+              <a:rPr lang="en-US" smtClean="0"/>
               <a:pPr/>
               <a:t>‹Nr.›</a:t>
             </a:fld>
@@ -4234,6 +4319,11 @@
         </p:txBody>
       </p:sp>
     </p:spTree>
+    <p:extLst>
+      <p:ext uri="{BB962C8B-B14F-4D97-AF65-F5344CB8AC3E}">
+        <p14:creationId xmlns:p14="http://schemas.microsoft.com/office/powerpoint/2010/main" val="472745676"/>
+      </p:ext>
+    </p:extLst>
   </p:cSld>
   <p:clrMapOvr>
     <a:masterClrMapping/>
@@ -4260,7 +4350,7 @@
       </p:grpSpPr>
       <p:pic>
         <p:nvPicPr>
-          <p:cNvPr id="6" name="Picture 5" descr="Celestia-R1---OverlayContentHD.png"/>
+          <p:cNvPr id="6" name="Picture 5" descr="Celestia-R1---OverlayContentSD.png"/>
           <p:cNvPicPr>
             <a:picLocks noChangeAspect="1"/>
           </p:cNvPicPr>
@@ -4280,8 +4370,8 @@
         </p:blipFill>
         <p:spPr>
           <a:xfrm>
-            <a:off x="0" y="0"/>
-            <a:ext cx="12188825" cy="6856214"/>
+            <a:off x="13956" y="0"/>
+            <a:ext cx="9118600" cy="6858000"/>
           </a:xfrm>
           <a:prstGeom prst="rect">
             <a:avLst/>
@@ -4298,27 +4388,62 @@
             <p:ph type="title"/>
           </p:nvPr>
         </p:nvSpPr>
+        <p:spPr>
+          <a:xfrm>
+            <a:off x="457201" y="609601"/>
+            <a:ext cx="7772400" cy="1456267"/>
+          </a:xfrm>
+        </p:spPr>
+        <p:txBody>
+          <a:bodyPr>
+            <a:normAutofit/>
+          </a:bodyPr>
+          <a:lstStyle>
+            <a:lvl1pPr>
+              <a:defRPr sz="3200"/>
+            </a:lvl1pPr>
+          </a:lstStyle>
+          <a:p>
+            <a:r>
+              <a:rPr lang="de-DE"/>
+              <a:t>Mastertitelformat bearbeiten</a:t>
+            </a:r>
+            <a:endParaRPr lang="en-US" dirty="0"/>
+          </a:p>
+        </p:txBody>
+      </p:sp>
+      <p:sp>
+        <p:nvSpPr>
+          <p:cNvPr id="3" name="Date Placeholder 2"/>
+          <p:cNvSpPr>
+            <a:spLocks noGrp="1"/>
+          </p:cNvSpPr>
+          <p:nvPr>
+            <p:ph type="dt" sz="half" idx="10"/>
+          </p:nvPr>
+        </p:nvSpPr>
         <p:spPr/>
         <p:txBody>
           <a:bodyPr/>
           <a:lstStyle/>
           <a:p>
-            <a:r>
-              <a:rPr lang="de-DE"/>
-              <a:t>Mastertitelformat bearbeiten</a:t>
-            </a:r>
-            <a:endParaRPr lang="en-US" dirty="0"/>
-          </a:p>
-        </p:txBody>
-      </p:sp>
-      <p:sp>
-        <p:nvSpPr>
-          <p:cNvPr id="3" name="Date Placeholder 2"/>
-          <p:cNvSpPr>
-            <a:spLocks noGrp="1"/>
-          </p:cNvSpPr>
-          <p:nvPr>
-            <p:ph type="dt" sz="half" idx="10"/>
+            <a:fld id="{B61BEF0D-F0BB-DE4B-95CE-6DB70DBA9567}" type="datetimeFigureOut">
+              <a:rPr lang="en-US" smtClean="0"/>
+              <a:pPr/>
+              <a:t>1/7/2018</a:t>
+            </a:fld>
+            <a:endParaRPr lang="en-US" dirty="0"/>
+          </a:p>
+        </p:txBody>
+      </p:sp>
+      <p:sp>
+        <p:nvSpPr>
+          <p:cNvPr id="4" name="Footer Placeholder 3"/>
+          <p:cNvSpPr>
+            <a:spLocks noGrp="1"/>
+          </p:cNvSpPr>
+          <p:nvPr>
+            <p:ph type="ftr" sz="quarter" idx="11"/>
           </p:nvPr>
         </p:nvSpPr>
         <p:spPr/>
@@ -4326,23 +4451,18 @@
           <a:bodyPr/>
           <a:lstStyle/>
           <a:p>
-            <a:fld id="{B61BEF0D-F0BB-DE4B-95CE-6DB70DBA9567}" type="datetimeFigureOut">
-              <a:rPr lang="en-US" dirty="0"/>
-              <a:pPr/>
-              <a:t>1/6/2018</a:t>
-            </a:fld>
-            <a:endParaRPr lang="en-US" dirty="0"/>
-          </a:p>
-        </p:txBody>
-      </p:sp>
-      <p:sp>
-        <p:nvSpPr>
-          <p:cNvPr id="4" name="Footer Placeholder 3"/>
-          <p:cNvSpPr>
-            <a:spLocks noGrp="1"/>
-          </p:cNvSpPr>
-          <p:nvPr>
-            <p:ph type="ftr" sz="quarter" idx="11"/>
+            <a:endParaRPr lang="en-US" dirty="0"/>
+          </a:p>
+        </p:txBody>
+      </p:sp>
+      <p:sp>
+        <p:nvSpPr>
+          <p:cNvPr id="5" name="Slide Number Placeholder 4"/>
+          <p:cNvSpPr>
+            <a:spLocks noGrp="1"/>
+          </p:cNvSpPr>
+          <p:nvPr>
+            <p:ph type="sldNum" sz="quarter" idx="12"/>
           </p:nvPr>
         </p:nvSpPr>
         <p:spPr/>
@@ -4350,27 +4470,8 @@
           <a:bodyPr/>
           <a:lstStyle/>
           <a:p>
-            <a:endParaRPr lang="en-US" dirty="0"/>
-          </a:p>
-        </p:txBody>
-      </p:sp>
-      <p:sp>
-        <p:nvSpPr>
-          <p:cNvPr id="5" name="Slide Number Placeholder 4"/>
-          <p:cNvSpPr>
-            <a:spLocks noGrp="1"/>
-          </p:cNvSpPr>
-          <p:nvPr>
-            <p:ph type="sldNum" sz="quarter" idx="12"/>
-          </p:nvPr>
-        </p:nvSpPr>
-        <p:spPr/>
-        <p:txBody>
-          <a:bodyPr/>
-          <a:lstStyle/>
-          <a:p>
             <a:fld id="{D57F1E4F-1CFF-5643-939E-217C01CDF565}" type="slidenum">
-              <a:rPr lang="en-US" dirty="0"/>
+              <a:rPr lang="en-US" smtClean="0"/>
               <a:pPr/>
               <a:t>‹Nr.›</a:t>
             </a:fld>
@@ -4379,6 +4480,11 @@
         </p:txBody>
       </p:sp>
     </p:spTree>
+    <p:extLst>
+      <p:ext uri="{BB962C8B-B14F-4D97-AF65-F5344CB8AC3E}">
+        <p14:creationId xmlns:p14="http://schemas.microsoft.com/office/powerpoint/2010/main" val="1555762228"/>
+      </p:ext>
+    </p:extLst>
   </p:cSld>
   <p:clrMapOvr>
     <a:masterClrMapping/>
@@ -4405,7 +4511,7 @@
       </p:grpSpPr>
       <p:pic>
         <p:nvPicPr>
-          <p:cNvPr id="5" name="Picture 4" descr="Celestia-R1---OverlayContentHD.png"/>
+          <p:cNvPr id="5" name="Picture 4" descr="Celestia-R1---OverlayContentSD.png"/>
           <p:cNvPicPr>
             <a:picLocks noChangeAspect="1"/>
           </p:cNvPicPr>
@@ -4425,8 +4531,8 @@
         </p:blipFill>
         <p:spPr>
           <a:xfrm>
-            <a:off x="0" y="0"/>
-            <a:ext cx="12188825" cy="6856214"/>
+            <a:off x="13956" y="0"/>
+            <a:ext cx="9118600" cy="6858000"/>
           </a:xfrm>
           <a:prstGeom prst="rect">
             <a:avLst/>
@@ -4449,9 +4555,9 @@
           <a:lstStyle/>
           <a:p>
             <a:fld id="{B61BEF0D-F0BB-DE4B-95CE-6DB70DBA9567}" type="datetimeFigureOut">
-              <a:rPr lang="en-US" dirty="0"/>
+              <a:rPr lang="en-US" smtClean="0"/>
               <a:pPr/>
-              <a:t>1/6/2018</a:t>
+              <a:t>1/7/2018</a:t>
             </a:fld>
             <a:endParaRPr lang="en-US" dirty="0"/>
           </a:p>
@@ -4492,7 +4598,7 @@
           <a:lstStyle/>
           <a:p>
             <a:fld id="{D57F1E4F-1CFF-5643-939E-217C01CDF565}" type="slidenum">
-              <a:rPr lang="en-US" dirty="0"/>
+              <a:rPr lang="en-US" smtClean="0"/>
               <a:pPr/>
               <a:t>‹Nr.›</a:t>
             </a:fld>
@@ -4501,6 +4607,11 @@
         </p:txBody>
       </p:sp>
     </p:spTree>
+    <p:extLst>
+      <p:ext uri="{BB962C8B-B14F-4D97-AF65-F5344CB8AC3E}">
+        <p14:creationId xmlns:p14="http://schemas.microsoft.com/office/powerpoint/2010/main" val="1064592438"/>
+      </p:ext>
+    </p:extLst>
   </p:cSld>
   <p:clrMapOvr>
     <a:masterClrMapping/>
@@ -4527,7 +4638,7 @@
       </p:grpSpPr>
       <p:pic>
         <p:nvPicPr>
-          <p:cNvPr id="8" name="Picture 7" descr="Celestia-R1---OverlayContentHD.png"/>
+          <p:cNvPr id="12" name="Picture 11" descr="Celestia-R1---OverlayContentSD.png"/>
           <p:cNvPicPr>
             <a:picLocks noChangeAspect="1"/>
           </p:cNvPicPr>
@@ -4547,8 +4658,8 @@
         </p:blipFill>
         <p:spPr>
           <a:xfrm>
-            <a:off x="0" y="0"/>
-            <a:ext cx="12188825" cy="6856214"/>
+            <a:off x="13956" y="0"/>
+            <a:ext cx="9118600" cy="6858000"/>
           </a:xfrm>
           <a:prstGeom prst="rect">
             <a:avLst/>
@@ -4567,8 +4678,8 @@
         </p:nvSpPr>
         <p:spPr>
           <a:xfrm>
-            <a:off x="685800" y="2074333"/>
-            <a:ext cx="3680885" cy="1371600"/>
+            <a:off x="461718" y="1557868"/>
+            <a:ext cx="2862910" cy="1439332"/>
           </a:xfrm>
         </p:spPr>
         <p:txBody>
@@ -4601,8 +4712,8 @@
         </p:nvSpPr>
         <p:spPr>
           <a:xfrm>
-            <a:off x="4648201" y="609601"/>
-            <a:ext cx="6169026" cy="5181600"/>
+            <a:off x="3606144" y="609601"/>
+            <a:ext cx="4627975" cy="5181600"/>
           </a:xfrm>
         </p:spPr>
         <p:txBody>
@@ -4660,8 +4771,8 @@
         </p:nvSpPr>
         <p:spPr>
           <a:xfrm>
-            <a:off x="685800" y="3445933"/>
-            <a:ext cx="3680885" cy="1828800"/>
+            <a:off x="461718" y="2997200"/>
+            <a:ext cx="2862910" cy="1845735"/>
           </a:xfrm>
         </p:spPr>
         <p:txBody>
@@ -4671,7 +4782,7 @@
           <a:lstStyle>
             <a:lvl1pPr marL="0" indent="0">
               <a:buNone/>
-              <a:defRPr sz="1600"/>
+              <a:defRPr sz="1400"/>
             </a:lvl1pPr>
             <a:lvl2pPr marL="457200" indent="0">
               <a:buNone/>
@@ -4731,9 +4842,9 @@
           <a:lstStyle/>
           <a:p>
             <a:fld id="{B61BEF0D-F0BB-DE4B-95CE-6DB70DBA9567}" type="datetimeFigureOut">
-              <a:rPr lang="en-US" dirty="0"/>
+              <a:rPr lang="en-US" smtClean="0"/>
               <a:pPr/>
-              <a:t>1/6/2018</a:t>
+              <a:t>1/7/2018</a:t>
             </a:fld>
             <a:endParaRPr lang="en-US" dirty="0"/>
           </a:p>
@@ -4774,7 +4885,7 @@
           <a:lstStyle/>
           <a:p>
             <a:fld id="{D57F1E4F-1CFF-5643-939E-217C01CDF565}" type="slidenum">
-              <a:rPr lang="en-US" dirty="0"/>
+              <a:rPr lang="en-US" smtClean="0"/>
               <a:pPr/>
               <a:t>‹Nr.›</a:t>
             </a:fld>
@@ -4783,6 +4894,11 @@
         </p:txBody>
       </p:sp>
     </p:spTree>
+    <p:extLst>
+      <p:ext uri="{BB962C8B-B14F-4D97-AF65-F5344CB8AC3E}">
+        <p14:creationId xmlns:p14="http://schemas.microsoft.com/office/powerpoint/2010/main" val="473769987"/>
+      </p:ext>
+    </p:extLst>
   </p:cSld>
   <p:clrMapOvr>
     <a:masterClrMapping/>
@@ -4809,7 +4925,7 @@
       </p:grpSpPr>
       <p:pic>
         <p:nvPicPr>
-          <p:cNvPr id="8" name="Picture 7" descr="Celestia-R1---OverlayContentHD.png"/>
+          <p:cNvPr id="11" name="Picture 10" descr="Celestia-R1---OverlayContentSD.png"/>
           <p:cNvPicPr>
             <a:picLocks noChangeAspect="1"/>
           </p:cNvPicPr>
@@ -4829,8 +4945,8 @@
         </p:blipFill>
         <p:spPr>
           <a:xfrm>
-            <a:off x="0" y="0"/>
-            <a:ext cx="12188825" cy="6856214"/>
+            <a:off x="13956" y="0"/>
+            <a:ext cx="9118600" cy="6858000"/>
           </a:xfrm>
           <a:prstGeom prst="rect">
             <a:avLst/>
@@ -4849,8 +4965,8 @@
         </p:nvSpPr>
         <p:spPr>
           <a:xfrm>
-            <a:off x="685800" y="1600200"/>
-            <a:ext cx="6164653" cy="1371600"/>
+            <a:off x="462128" y="1735672"/>
+            <a:ext cx="4097204" cy="1371600"/>
           </a:xfrm>
         </p:spPr>
         <p:txBody>
@@ -4859,7 +4975,7 @@
           </a:bodyPr>
           <a:lstStyle>
             <a:lvl1pPr algn="l">
-              <a:defRPr sz="2800" b="0"/>
+              <a:defRPr sz="2400" b="0"/>
             </a:lvl1pPr>
           </a:lstStyle>
           <a:p>
@@ -4883,8 +4999,8 @@
         </p:nvSpPr>
         <p:spPr>
           <a:xfrm>
-            <a:off x="7536253" y="914400"/>
-            <a:ext cx="3280974" cy="4572000"/>
+            <a:off x="5029200" y="914400"/>
+            <a:ext cx="3200400" cy="4572000"/>
           </a:xfrm>
           <a:prstGeom prst="roundRect">
             <a:avLst>
@@ -4919,48 +5035,18 @@
           </a:effectLst>
         </p:spPr>
         <p:txBody>
-          <a:bodyPr anchor="t">
+          <a:bodyPr vert="horz" lIns="91440" tIns="45720" rIns="91440" bIns="45720" rtlCol="0" anchor="t">
             <a:normAutofit/>
           </a:bodyPr>
           <a:lstStyle>
-            <a:lvl1pPr marL="0" indent="0" algn="ctr">
-              <a:buNone/>
-              <a:defRPr sz="1600"/>
+            <a:lvl1pPr>
+              <a:defRPr lang="en-US" sz="1600" dirty="0"/>
             </a:lvl1pPr>
-            <a:lvl2pPr marL="457200" indent="0">
-              <a:buNone/>
-              <a:defRPr sz="1600"/>
-            </a:lvl2pPr>
-            <a:lvl3pPr marL="914400" indent="0">
-              <a:buNone/>
-              <a:defRPr sz="1600"/>
-            </a:lvl3pPr>
-            <a:lvl4pPr marL="1371600" indent="0">
-              <a:buNone/>
-              <a:defRPr sz="1600"/>
-            </a:lvl4pPr>
-            <a:lvl5pPr marL="1828800" indent="0">
-              <a:buNone/>
-              <a:defRPr sz="1600"/>
-            </a:lvl5pPr>
-            <a:lvl6pPr marL="2286000" indent="0">
-              <a:buNone/>
-              <a:defRPr sz="1600"/>
-            </a:lvl6pPr>
-            <a:lvl7pPr marL="2743200" indent="0">
-              <a:buNone/>
-              <a:defRPr sz="1600"/>
-            </a:lvl7pPr>
-            <a:lvl8pPr marL="3200400" indent="0">
-              <a:buNone/>
-              <a:defRPr sz="1600"/>
-            </a:lvl8pPr>
-            <a:lvl9pPr marL="3657600" indent="0">
-              <a:buNone/>
-              <a:defRPr sz="1600"/>
-            </a:lvl9pPr>
           </a:lstStyle>
           <a:p>
+            <a:pPr marL="0" lvl="0" indent="0" algn="ctr">
+              <a:buNone/>
+            </a:pPr>
             <a:r>
               <a:rPr lang="de-DE" dirty="0"/>
               <a:t>Bild durch Klicken auf Symbol hinzufügen</a:t>
@@ -4981,8 +5067,8 @@
         </p:nvSpPr>
         <p:spPr>
           <a:xfrm>
-            <a:off x="685800" y="2971800"/>
-            <a:ext cx="6164653" cy="1828800"/>
+            <a:off x="462128" y="3107272"/>
+            <a:ext cx="4097204" cy="1828800"/>
           </a:xfrm>
         </p:spPr>
         <p:txBody>
@@ -4992,7 +5078,7 @@
           <a:lstStyle>
             <a:lvl1pPr marL="0" indent="0">
               <a:buNone/>
-              <a:defRPr sz="1800"/>
+              <a:defRPr sz="1600"/>
             </a:lvl1pPr>
             <a:lvl2pPr marL="457200" indent="0">
               <a:buNone/>
@@ -5052,9 +5138,9 @@
           <a:lstStyle/>
           <a:p>
             <a:fld id="{B61BEF0D-F0BB-DE4B-95CE-6DB70DBA9567}" type="datetimeFigureOut">
-              <a:rPr lang="en-US" dirty="0"/>
+              <a:rPr lang="en-US" smtClean="0"/>
               <a:pPr/>
-              <a:t>1/6/2018</a:t>
+              <a:t>1/7/2018</a:t>
             </a:fld>
             <a:endParaRPr lang="en-US" dirty="0"/>
           </a:p>
@@ -5095,7 +5181,7 @@
           <a:lstStyle/>
           <a:p>
             <a:fld id="{D57F1E4F-1CFF-5643-939E-217C01CDF565}" type="slidenum">
-              <a:rPr lang="en-US" dirty="0"/>
+              <a:rPr lang="en-US" smtClean="0"/>
               <a:pPr/>
               <a:t>‹Nr.›</a:t>
             </a:fld>
@@ -5104,6 +5190,11 @@
         </p:txBody>
       </p:sp>
     </p:spTree>
+    <p:extLst>
+      <p:ext uri="{BB962C8B-B14F-4D97-AF65-F5344CB8AC3E}">
+        <p14:creationId xmlns:p14="http://schemas.microsoft.com/office/powerpoint/2010/main" val="1030545666"/>
+      </p:ext>
+    </p:extLst>
   </p:cSld>
   <p:clrMapOvr>
     <a:masterClrMapping/>
@@ -5145,8 +5236,8 @@
         </p:nvSpPr>
         <p:spPr>
           <a:xfrm>
-            <a:off x="685801" y="609600"/>
-            <a:ext cx="10131425" cy="1456267"/>
+            <a:off x="457200" y="609601"/>
+            <a:ext cx="7772400" cy="1456267"/>
           </a:xfrm>
           <a:prstGeom prst="rect">
             <a:avLst/>
@@ -5179,8 +5270,8 @@
         </p:nvSpPr>
         <p:spPr>
           <a:xfrm>
-            <a:off x="685801" y="2142067"/>
-            <a:ext cx="10131425" cy="3649133"/>
+            <a:off x="457200" y="2142068"/>
+            <a:ext cx="7772400" cy="3649133"/>
           </a:xfrm>
           <a:prstGeom prst="rect">
             <a:avLst/>
@@ -5241,8 +5332,8 @@
         </p:nvSpPr>
         <p:spPr>
           <a:xfrm>
-            <a:off x="8589660" y="5870575"/>
-            <a:ext cx="1600200" cy="377825"/>
+            <a:off x="6523712" y="5870576"/>
+            <a:ext cx="1212173" cy="377825"/>
           </a:xfrm>
           <a:prstGeom prst="rect">
             <a:avLst/>
@@ -5263,9 +5354,9 @@
           </a:lstStyle>
           <a:p>
             <a:fld id="{B61BEF0D-F0BB-DE4B-95CE-6DB70DBA9567}" type="datetimeFigureOut">
-              <a:rPr lang="en-US" dirty="0"/>
+              <a:rPr lang="en-US" smtClean="0"/>
               <a:pPr/>
-              <a:t>1/6/2018</a:t>
+              <a:t>1/7/2018</a:t>
             </a:fld>
             <a:endParaRPr lang="en-US" dirty="0"/>
           </a:p>
@@ -5283,8 +5374,8 @@
         </p:nvSpPr>
         <p:spPr>
           <a:xfrm>
-            <a:off x="685800" y="5870575"/>
-            <a:ext cx="7827659" cy="377825"/>
+            <a:off x="457200" y="5870576"/>
+            <a:ext cx="5990311" cy="377825"/>
           </a:xfrm>
           <a:prstGeom prst="rect">
             <a:avLst/>
@@ -5320,8 +5411,8 @@
         </p:nvSpPr>
         <p:spPr>
           <a:xfrm>
-            <a:off x="10266060" y="5870575"/>
-            <a:ext cx="551167" cy="377825"/>
+            <a:off x="7812085" y="5870576"/>
+            <a:ext cx="417516" cy="377825"/>
           </a:xfrm>
           <a:prstGeom prst="rect">
             <a:avLst/>
@@ -5342,7 +5433,7 @@
           </a:lstStyle>
           <a:p>
             <a:fld id="{D57F1E4F-1CFF-5643-939E-217C01CDF565}" type="slidenum">
-              <a:rPr lang="en-US" dirty="0"/>
+              <a:rPr lang="en-US" smtClean="0"/>
               <a:pPr/>
               <a:t>‹Nr.›</a:t>
             </a:fld>
@@ -5351,26 +5442,31 @@
         </p:txBody>
       </p:sp>
     </p:spTree>
+    <p:extLst>
+      <p:ext uri="{BB962C8B-B14F-4D97-AF65-F5344CB8AC3E}">
+        <p14:creationId xmlns:p14="http://schemas.microsoft.com/office/powerpoint/2010/main" val="2034292554"/>
+      </p:ext>
+    </p:extLst>
   </p:cSld>
   <p:clrMap bg1="dk1" tx1="lt1" bg2="dk2" tx2="lt2" accent1="accent1" accent2="accent2" accent3="accent3" accent4="accent4" accent5="accent5" accent6="accent6" hlink="hlink" folHlink="folHlink"/>
   <p:sldLayoutIdLst>
-    <p:sldLayoutId id="2147483649" r:id="rId1"/>
-    <p:sldLayoutId id="2147483650" r:id="rId2"/>
-    <p:sldLayoutId id="2147483651" r:id="rId3"/>
-    <p:sldLayoutId id="2147483652" r:id="rId4"/>
-    <p:sldLayoutId id="2147483653" r:id="rId5"/>
-    <p:sldLayoutId id="2147483654" r:id="rId6"/>
-    <p:sldLayoutId id="2147483655" r:id="rId7"/>
-    <p:sldLayoutId id="2147483656" r:id="rId8"/>
-    <p:sldLayoutId id="2147483660" r:id="rId9"/>
-    <p:sldLayoutId id="2147483657" r:id="rId10"/>
-    <p:sldLayoutId id="2147483663" r:id="rId11"/>
-    <p:sldLayoutId id="2147483664" r:id="rId12"/>
-    <p:sldLayoutId id="2147483665" r:id="rId13"/>
-    <p:sldLayoutId id="2147483666" r:id="rId14"/>
-    <p:sldLayoutId id="2147483667" r:id="rId15"/>
-    <p:sldLayoutId id="2147483658" r:id="rId16"/>
-    <p:sldLayoutId id="2147483659" r:id="rId17"/>
+    <p:sldLayoutId id="2147483669" r:id="rId1"/>
+    <p:sldLayoutId id="2147483670" r:id="rId2"/>
+    <p:sldLayoutId id="2147483671" r:id="rId3"/>
+    <p:sldLayoutId id="2147483672" r:id="rId4"/>
+    <p:sldLayoutId id="2147483673" r:id="rId5"/>
+    <p:sldLayoutId id="2147483674" r:id="rId6"/>
+    <p:sldLayoutId id="2147483675" r:id="rId7"/>
+    <p:sldLayoutId id="2147483676" r:id="rId8"/>
+    <p:sldLayoutId id="2147483677" r:id="rId9"/>
+    <p:sldLayoutId id="2147483678" r:id="rId10"/>
+    <p:sldLayoutId id="2147483679" r:id="rId11"/>
+    <p:sldLayoutId id="2147483680" r:id="rId12"/>
+    <p:sldLayoutId id="2147483681" r:id="rId13"/>
+    <p:sldLayoutId id="2147483682" r:id="rId14"/>
+    <p:sldLayoutId id="2147483683" r:id="rId15"/>
+    <p:sldLayoutId id="2147483684" r:id="rId16"/>
+    <p:sldLayoutId id="2147483685" r:id="rId17"/>
   </p:sldLayoutIdLst>
   <p:txStyles>
     <p:titleStyle>
@@ -5379,7 +5475,7 @@
           <a:spcPct val="0"/>
         </a:spcBef>
         <a:buNone/>
-        <a:defRPr sz="3600" kern="1200" cap="all">
+        <a:defRPr sz="3200" kern="1200" cap="all">
           <a:ln w="3175" cmpd="sng">
             <a:noFill/>
           </a:ln>
@@ -5790,7 +5886,12 @@
             <p:ph type="ctrTitle"/>
           </p:nvPr>
         </p:nvSpPr>
-        <p:spPr/>
+        <p:spPr>
+          <a:xfrm>
+            <a:off x="2709644" y="1964267"/>
+            <a:ext cx="5748557" cy="2421464"/>
+          </a:xfrm>
+        </p:spPr>
         <p:txBody>
           <a:bodyPr/>
           <a:lstStyle/>
@@ -5906,7 +6007,9 @@
         </p:nvSpPr>
         <p:spPr/>
         <p:txBody>
-          <a:bodyPr/>
+          <a:bodyPr>
+            <a:normAutofit lnSpcReduction="10000"/>
+          </a:bodyPr>
           <a:lstStyle/>
           <a:p>
             <a:r>
@@ -5916,12 +6019,8 @@
           </a:p>
           <a:p>
             <a:r>
-              <a:rPr lang="de-DE" dirty="0" err="1"/>
-              <a:t>Perlin</a:t>
-            </a:r>
-            <a:r>
               <a:rPr lang="de-DE" dirty="0"/>
-              <a:t> Noise</a:t>
+              <a:t>Perlin Noise</a:t>
             </a:r>
           </a:p>
           <a:p>
@@ -5935,7 +6034,7 @@
             <a:pPr lvl="1"/>
             <a:r>
               <a:rPr lang="de-DE" dirty="0"/>
-              <a:t>Mehrere Dimensionen (3D/4D/…)</a:t>
+              <a:t>Höhere Dimensionen (3D/4D/…)</a:t>
             </a:r>
           </a:p>
           <a:p>
@@ -5946,34 +6045,38 @@
             </a:r>
           </a:p>
           <a:p>
+            <a:r>
+              <a:rPr lang="de-DE" dirty="0"/>
+              <a:t>Implementierung</a:t>
+            </a:r>
+          </a:p>
+          <a:p>
             <a:pPr lvl="1"/>
             <a:r>
+              <a:rPr lang="de-DE"/>
+              <a:t>OpenGL Pipeline</a:t>
+            </a:r>
+            <a:endParaRPr lang="de-DE" dirty="0"/>
+          </a:p>
+          <a:p>
+            <a:pPr lvl="1"/>
+            <a:r>
               <a:rPr lang="de-DE" dirty="0"/>
-              <a:t>Modifikation</a:t>
-            </a:r>
-          </a:p>
-          <a:p>
+              <a:t>Level of Detail</a:t>
+            </a:r>
+          </a:p>
+          <a:p>
+            <a:pPr lvl="1"/>
             <a:r>
               <a:rPr lang="de-DE" dirty="0"/>
-              <a:t>OpenGL</a:t>
-            </a:r>
-          </a:p>
-          <a:p>
-            <a:pPr lvl="1"/>
+              <a:t>Noise Modifikation</a:t>
+            </a:r>
+          </a:p>
+          <a:p>
             <a:r>
               <a:rPr lang="de-DE" dirty="0"/>
-              <a:t>Pipeline</a:t>
-            </a:r>
-          </a:p>
-          <a:p>
-            <a:pPr lvl="1"/>
-            <a:r>
-              <a:rPr lang="de-DE" dirty="0"/>
-              <a:t>Meine Implementierung</a:t>
-            </a:r>
-          </a:p>
-          <a:p>
-            <a:endParaRPr lang="de-DE" dirty="0"/>
+              <a:t>Quellen</a:t>
+            </a:r>
           </a:p>
         </p:txBody>
       </p:sp>
@@ -5990,10 +6093,93 @@
 </p:sld>
 </file>
 
+<file path=ppt/slides/slide3.xml><?xml version="1.0" encoding="utf-8"?>
+<p:sld xmlns:a="http://schemas.openxmlformats.org/drawingml/2006/main" xmlns:r="http://schemas.openxmlformats.org/officeDocument/2006/relationships" xmlns:p="http://schemas.openxmlformats.org/presentationml/2006/main">
+  <p:cSld>
+    <p:spTree>
+      <p:nvGrpSpPr>
+        <p:cNvPr id="1" name=""/>
+        <p:cNvGrpSpPr/>
+        <p:nvPr/>
+      </p:nvGrpSpPr>
+      <p:grpSpPr>
+        <a:xfrm>
+          <a:off x="0" y="0"/>
+          <a:ext cx="0" cy="0"/>
+          <a:chOff x="0" y="0"/>
+          <a:chExt cx="0" cy="0"/>
+        </a:xfrm>
+      </p:grpSpPr>
+      <p:sp>
+        <p:nvSpPr>
+          <p:cNvPr id="2" name="Titel 1">
+            <a:extLst>
+              <a:ext uri="{FF2B5EF4-FFF2-40B4-BE49-F238E27FC236}">
+                <a16:creationId xmlns:a16="http://schemas.microsoft.com/office/drawing/2014/main" id="{747B4759-1AE4-432C-90CB-05F064A5A96F}"/>
+              </a:ext>
+            </a:extLst>
+          </p:cNvPr>
+          <p:cNvSpPr>
+            <a:spLocks noGrp="1"/>
+          </p:cNvSpPr>
+          <p:nvPr>
+            <p:ph type="title"/>
+          </p:nvPr>
+        </p:nvSpPr>
+        <p:spPr/>
+        <p:txBody>
+          <a:bodyPr/>
+          <a:lstStyle/>
+          <a:p>
+            <a:r>
+              <a:rPr lang="de-DE" dirty="0"/>
+              <a:t>Was bedeutet prozedurale Generation?</a:t>
+            </a:r>
+          </a:p>
+        </p:txBody>
+      </p:sp>
+      <p:sp>
+        <p:nvSpPr>
+          <p:cNvPr id="3" name="Inhaltsplatzhalter 2">
+            <a:extLst>
+              <a:ext uri="{FF2B5EF4-FFF2-40B4-BE49-F238E27FC236}">
+                <a16:creationId xmlns:a16="http://schemas.microsoft.com/office/drawing/2014/main" id="{E849A56A-D899-482D-B91F-B177D37D5319}"/>
+              </a:ext>
+            </a:extLst>
+          </p:cNvPr>
+          <p:cNvSpPr>
+            <a:spLocks noGrp="1"/>
+          </p:cNvSpPr>
+          <p:nvPr>
+            <p:ph idx="1"/>
+          </p:nvPr>
+        </p:nvSpPr>
+        <p:spPr/>
+        <p:txBody>
+          <a:bodyPr/>
+          <a:lstStyle/>
+          <a:p>
+            <a:endParaRPr lang="de-DE" dirty="0"/>
+          </a:p>
+        </p:txBody>
+      </p:sp>
+    </p:spTree>
+    <p:extLst>
+      <p:ext uri="{BB962C8B-B14F-4D97-AF65-F5344CB8AC3E}">
+        <p14:creationId xmlns:p14="http://schemas.microsoft.com/office/powerpoint/2010/main" val="3715667531"/>
+      </p:ext>
+    </p:extLst>
+  </p:cSld>
+  <p:clrMapOvr>
+    <a:masterClrMapping/>
+  </p:clrMapOvr>
+</p:sld>
+</file>
+
 <file path=ppt/theme/theme1.xml><?xml version="1.0" encoding="utf-8"?>
 <a:theme xmlns:a="http://schemas.openxmlformats.org/drawingml/2006/main" name="Himmel">
   <a:themeElements>
-    <a:clrScheme name="Celestial">
+    <a:clrScheme name="Himmel">
       <a:dk1>
         <a:sysClr val="windowText" lastClr="000000"/>
       </a:dk1>
@@ -6031,7 +6217,7 @@
         <a:srgbClr val="E7F19A"/>
       </a:folHlink>
     </a:clrScheme>
-    <a:fontScheme name="Celestial">
+    <a:fontScheme name="Himmel">
       <a:majorFont>
         <a:latin typeface="Calibri Light" panose="020F0302020204030204"/>
         <a:ea typeface=""/>
@@ -6103,7 +6289,7 @@
         <a:font script="Geor" typeface="Sylfaen"/>
       </a:minorFont>
     </a:fontScheme>
-    <a:fmtScheme name="Celestial">
+    <a:fmtScheme name="Himmel">
       <a:fillStyleLst>
         <a:solidFill>
           <a:schemeClr val="phClr"/>

--- a/worldgen.pptx
+++ b/worldgen.pptx
@@ -2,14 +2,14 @@
 <file path=ppt/presentation.xml><?xml version="1.0" encoding="utf-8"?>
 <p:presentation xmlns:a="http://schemas.openxmlformats.org/drawingml/2006/main" xmlns:r="http://schemas.openxmlformats.org/officeDocument/2006/relationships" xmlns:p="http://schemas.openxmlformats.org/presentationml/2006/main" autoCompressPictures="0">
   <p:sldMasterIdLst>
-    <p:sldMasterId id="2147483668" r:id="rId1"/>
+    <p:sldMasterId id="2147483686" r:id="rId1"/>
   </p:sldMasterIdLst>
   <p:sldIdLst>
-    <p:sldId id="256" r:id="rId2"/>
+    <p:sldId id="259" r:id="rId2"/>
     <p:sldId id="257" r:id="rId3"/>
     <p:sldId id="258" r:id="rId4"/>
   </p:sldIdLst>
-  <p:sldSz cx="9144000" cy="6858000" type="screen4x3"/>
+  <p:sldSz cx="12192000" cy="6858000"/>
   <p:notesSz cx="6858000" cy="9144000"/>
   <p:defaultTextStyle>
     <a:defPPr>
@@ -121,6 +121,11 @@
 <file path=ppt/slideLayouts/slideLayout1.xml><?xml version="1.0" encoding="utf-8"?>
 <p:sldLayout xmlns:a="http://schemas.openxmlformats.org/drawingml/2006/main" xmlns:r="http://schemas.openxmlformats.org/officeDocument/2006/relationships" xmlns:p="http://schemas.openxmlformats.org/presentationml/2006/main" type="title" preserve="1">
   <p:cSld name="Titelfolie">
+    <p:bg>
+      <p:bgRef idx="1003">
+        <a:schemeClr val="bg2"/>
+      </p:bgRef>
+    </p:bg>
     <p:spTree>
       <p:nvGrpSpPr>
         <p:cNvPr id="1" name=""/>
@@ -137,7 +142,7 @@
       </p:grpSpPr>
       <p:pic>
         <p:nvPicPr>
-          <p:cNvPr id="11" name="Picture 10" descr="Celestia-R1---OverlayTitleSD.png"/>
+          <p:cNvPr id="7" name="Picture 6" descr="Celestia-R1---OverlayTitleHD.png"/>
           <p:cNvPicPr>
             <a:picLocks noChangeAspect="1"/>
           </p:cNvPicPr>
@@ -158,7 +163,7 @@
         <p:spPr>
           <a:xfrm>
             <a:off x="0" y="0"/>
-            <a:ext cx="7397750" cy="6858000"/>
+            <a:ext cx="12188825" cy="6856214"/>
           </a:xfrm>
           <a:prstGeom prst="rect">
             <a:avLst/>
@@ -177,8 +182,8 @@
         </p:nvSpPr>
         <p:spPr>
           <a:xfrm>
-            <a:off x="2743973" y="1964267"/>
-            <a:ext cx="5714228" cy="2421464"/>
+            <a:off x="3962399" y="1964267"/>
+            <a:ext cx="7197726" cy="2421464"/>
           </a:xfrm>
         </p:spPr>
         <p:txBody>
@@ -187,7 +192,7 @@
           </a:bodyPr>
           <a:lstStyle>
             <a:lvl1pPr algn="r">
-              <a:defRPr sz="4400">
+              <a:defRPr sz="4800">
                 <a:effectLst/>
               </a:defRPr>
             </a:lvl1pPr>
@@ -213,8 +218,8 @@
         </p:nvSpPr>
         <p:spPr>
           <a:xfrm>
-            <a:off x="2743973" y="4385733"/>
-            <a:ext cx="5714228" cy="1405467"/>
+            <a:off x="3962399" y="4385732"/>
+            <a:ext cx="7197726" cy="1405467"/>
           </a:xfrm>
         </p:spPr>
         <p:txBody>
@@ -332,8 +337,8 @@
         </p:nvSpPr>
         <p:spPr>
           <a:xfrm>
-            <a:off x="6752311" y="5870576"/>
-            <a:ext cx="1212173" cy="377825"/>
+            <a:off x="8932558" y="5870575"/>
+            <a:ext cx="1600200" cy="377825"/>
           </a:xfrm>
         </p:spPr>
         <p:txBody>
@@ -361,8 +366,8 @@
         </p:nvSpPr>
         <p:spPr>
           <a:xfrm>
-            <a:off x="2743973" y="5870576"/>
-            <a:ext cx="3932137" cy="377825"/>
+            <a:off x="3962399" y="5870575"/>
+            <a:ext cx="4893958" cy="377825"/>
           </a:xfrm>
         </p:spPr>
         <p:txBody>
@@ -385,8 +390,8 @@
         </p:nvSpPr>
         <p:spPr>
           <a:xfrm>
-            <a:off x="8040685" y="5870576"/>
-            <a:ext cx="417516" cy="377825"/>
+            <a:off x="10608958" y="5870575"/>
+            <a:ext cx="551167" cy="377825"/>
           </a:xfrm>
         </p:spPr>
         <p:txBody>
@@ -405,12 +410,12 @@
     </p:spTree>
     <p:extLst>
       <p:ext uri="{BB962C8B-B14F-4D97-AF65-F5344CB8AC3E}">
-        <p14:creationId xmlns:p14="http://schemas.microsoft.com/office/powerpoint/2010/main" val="465055146"/>
+        <p14:creationId xmlns:p14="http://schemas.microsoft.com/office/powerpoint/2010/main" val="887836308"/>
       </p:ext>
     </p:extLst>
   </p:cSld>
   <p:clrMapOvr>
-    <a:masterClrMapping/>
+    <a:overrideClrMapping bg1="dk1" tx1="lt1" bg2="dk2" tx2="lt2" accent1="accent1" accent2="accent2" accent3="accent3" accent4="accent4" accent5="accent5" accent6="accent6" hlink="hlink" folHlink="folHlink"/>
   </p:clrMapOvr>
 </p:sldLayout>
 </file>
@@ -434,7 +439,7 @@
       </p:grpSpPr>
       <p:pic>
         <p:nvPicPr>
-          <p:cNvPr id="10" name="Picture 9" descr="Celestia-R1---OverlayContentSD.png"/>
+          <p:cNvPr id="8" name="Picture 7" descr="Celestia-R1---OverlayContentHD.png"/>
           <p:cNvPicPr>
             <a:picLocks noChangeAspect="1"/>
           </p:cNvPicPr>
@@ -454,8 +459,8 @@
         </p:blipFill>
         <p:spPr>
           <a:xfrm>
-            <a:off x="13956" y="0"/>
-            <a:ext cx="9118600" cy="6858000"/>
+            <a:off x="0" y="0"/>
+            <a:ext cx="12188825" cy="6856214"/>
           </a:xfrm>
           <a:prstGeom prst="rect">
             <a:avLst/>
@@ -474,8 +479,8 @@
         </p:nvSpPr>
         <p:spPr>
           <a:xfrm>
-            <a:off x="457201" y="4732865"/>
-            <a:ext cx="7772400" cy="566738"/>
+            <a:off x="685800" y="4732865"/>
+            <a:ext cx="10131427" cy="566738"/>
           </a:xfrm>
         </p:spPr>
         <p:txBody>
@@ -484,7 +489,7 @@
           </a:bodyPr>
           <a:lstStyle>
             <a:lvl1pPr algn="l">
-              <a:defRPr sz="2000" b="0"/>
+              <a:defRPr sz="2400" b="0"/>
             </a:lvl1pPr>
           </a:lstStyle>
           <a:p>
@@ -508,8 +513,8 @@
         </p:nvSpPr>
         <p:spPr>
           <a:xfrm>
-            <a:off x="914401" y="932112"/>
-            <a:ext cx="6858000" cy="3164976"/>
+            <a:off x="1371600" y="932112"/>
+            <a:ext cx="8759827" cy="3164976"/>
           </a:xfrm>
           <a:prstGeom prst="roundRect">
             <a:avLst>
@@ -544,20 +549,50 @@
           </a:effectLst>
         </p:spPr>
         <p:txBody>
-          <a:bodyPr vert="horz" lIns="91440" tIns="45720" rIns="91440" bIns="45720" rtlCol="0" anchor="t">
+          <a:bodyPr anchor="t">
             <a:normAutofit/>
           </a:bodyPr>
           <a:lstStyle>
-            <a:lvl1pPr>
-              <a:defRPr lang="en-US" sz="1600"/>
+            <a:lvl1pPr marL="0" indent="0" algn="ctr">
+              <a:buNone/>
+              <a:defRPr sz="1600"/>
             </a:lvl1pPr>
+            <a:lvl2pPr marL="457200" indent="0">
+              <a:buNone/>
+              <a:defRPr sz="1600"/>
+            </a:lvl2pPr>
+            <a:lvl3pPr marL="914400" indent="0">
+              <a:buNone/>
+              <a:defRPr sz="1600"/>
+            </a:lvl3pPr>
+            <a:lvl4pPr marL="1371600" indent="0">
+              <a:buNone/>
+              <a:defRPr sz="1600"/>
+            </a:lvl4pPr>
+            <a:lvl5pPr marL="1828800" indent="0">
+              <a:buNone/>
+              <a:defRPr sz="1600"/>
+            </a:lvl5pPr>
+            <a:lvl6pPr marL="2286000" indent="0">
+              <a:buNone/>
+              <a:defRPr sz="1600"/>
+            </a:lvl6pPr>
+            <a:lvl7pPr marL="2743200" indent="0">
+              <a:buNone/>
+              <a:defRPr sz="1600"/>
+            </a:lvl7pPr>
+            <a:lvl8pPr marL="3200400" indent="0">
+              <a:buNone/>
+              <a:defRPr sz="1600"/>
+            </a:lvl8pPr>
+            <a:lvl9pPr marL="3657600" indent="0">
+              <a:buNone/>
+              <a:defRPr sz="1600"/>
+            </a:lvl9pPr>
           </a:lstStyle>
           <a:p>
-            <a:pPr marL="0" lvl="0" indent="0" algn="ctr">
-              <a:buNone/>
-            </a:pPr>
-            <a:r>
-              <a:rPr lang="de-DE" dirty="0"/>
+            <a:r>
+              <a:rPr lang="de-DE"/>
               <a:t>Bild durch Klicken auf Symbol hinzufügen</a:t>
             </a:r>
             <a:endParaRPr lang="en-US" dirty="0"/>
@@ -576,12 +611,12 @@
         </p:nvSpPr>
         <p:spPr>
           <a:xfrm>
-            <a:off x="457201" y="5299603"/>
-            <a:ext cx="7772400" cy="493712"/>
+            <a:off x="685800" y="5299603"/>
+            <a:ext cx="10131427" cy="493712"/>
           </a:xfrm>
         </p:spPr>
         <p:txBody>
-          <a:bodyPr>
+          <a:bodyPr anchor="t">
             <a:normAutofit/>
           </a:bodyPr>
           <a:lstStyle>
@@ -701,7 +736,7 @@
     </p:spTree>
     <p:extLst>
       <p:ext uri="{BB962C8B-B14F-4D97-AF65-F5344CB8AC3E}">
-        <p14:creationId xmlns:p14="http://schemas.microsoft.com/office/powerpoint/2010/main" val="3280432754"/>
+        <p14:creationId xmlns:p14="http://schemas.microsoft.com/office/powerpoint/2010/main" val="1694210248"/>
       </p:ext>
     </p:extLst>
   </p:cSld>
@@ -730,7 +765,7 @@
       </p:grpSpPr>
       <p:pic>
         <p:nvPicPr>
-          <p:cNvPr id="7" name="Picture 6" descr="Celestia-R1---OverlayContentSD.png"/>
+          <p:cNvPr id="7" name="Picture 6" descr="Celestia-R1---OverlayContentHD.png"/>
           <p:cNvPicPr>
             <a:picLocks noChangeAspect="1"/>
           </p:cNvPicPr>
@@ -750,8 +785,8 @@
         </p:blipFill>
         <p:spPr>
           <a:xfrm>
-            <a:off x="13956" y="0"/>
-            <a:ext cx="9118600" cy="6858000"/>
+            <a:off x="0" y="0"/>
+            <a:ext cx="12188825" cy="6856214"/>
           </a:xfrm>
           <a:prstGeom prst="rect">
             <a:avLst/>
@@ -770,8 +805,8 @@
         </p:nvSpPr>
         <p:spPr>
           <a:xfrm>
-            <a:off x="457203" y="609602"/>
-            <a:ext cx="7772399" cy="3124199"/>
+            <a:off x="685801" y="609601"/>
+            <a:ext cx="10131427" cy="3124199"/>
           </a:xfrm>
         </p:spPr>
         <p:txBody>
@@ -804,8 +839,8 @@
         </p:nvSpPr>
         <p:spPr>
           <a:xfrm>
-            <a:off x="457202" y="4343400"/>
-            <a:ext cx="7772399" cy="1447800"/>
+            <a:off x="685800" y="4343400"/>
+            <a:ext cx="10131428" cy="1447800"/>
           </a:xfrm>
         </p:spPr>
         <p:txBody>
@@ -981,7 +1016,7 @@
     </p:spTree>
     <p:extLst>
       <p:ext uri="{BB962C8B-B14F-4D97-AF65-F5344CB8AC3E}">
-        <p14:creationId xmlns:p14="http://schemas.microsoft.com/office/powerpoint/2010/main" val="2760927379"/>
+        <p14:creationId xmlns:p14="http://schemas.microsoft.com/office/powerpoint/2010/main" val="2726847972"/>
       </p:ext>
     </p:extLst>
   </p:cSld>
@@ -1010,7 +1045,7 @@
       </p:grpSpPr>
       <p:pic>
         <p:nvPicPr>
-          <p:cNvPr id="17" name="Picture 16" descr="Celestia-R1---OverlayContentSD.png"/>
+          <p:cNvPr id="11" name="Picture 10" descr="Celestia-R1---OverlayContentHD.png"/>
           <p:cNvPicPr>
             <a:picLocks noChangeAspect="1"/>
           </p:cNvPicPr>
@@ -1030,8 +1065,8 @@
         </p:blipFill>
         <p:spPr>
           <a:xfrm>
-            <a:off x="13956" y="0"/>
-            <a:ext cx="9118600" cy="6858000"/>
+            <a:off x="0" y="0"/>
+            <a:ext cx="12188825" cy="6856214"/>
           </a:xfrm>
           <a:prstGeom prst="rect">
             <a:avLst/>
@@ -1040,14 +1075,14 @@
       </p:pic>
       <p:sp>
         <p:nvSpPr>
-          <p:cNvPr id="15" name="TextBox 14"/>
+          <p:cNvPr id="13" name="TextBox 12"/>
           <p:cNvSpPr txBox="1"/>
           <p:nvPr/>
         </p:nvSpPr>
         <p:spPr>
           <a:xfrm>
-            <a:off x="7735800" y="2751671"/>
-            <a:ext cx="457319" cy="584776"/>
+            <a:off x="10237867" y="2743200"/>
+            <a:ext cx="609600" cy="584776"/>
           </a:xfrm>
           <a:prstGeom prst="rect">
             <a:avLst/>
@@ -1156,14 +1191,14 @@
       </p:sp>
       <p:sp>
         <p:nvSpPr>
-          <p:cNvPr id="11" name="TextBox 10"/>
+          <p:cNvPr id="14" name="TextBox 13"/>
           <p:cNvSpPr txBox="1"/>
           <p:nvPr/>
         </p:nvSpPr>
         <p:spPr>
           <a:xfrm>
-            <a:off x="421796" y="718114"/>
-            <a:ext cx="457319" cy="584776"/>
+            <a:off x="488275" y="823337"/>
+            <a:ext cx="609600" cy="584776"/>
           </a:xfrm>
           <a:prstGeom prst="rect">
             <a:avLst/>
@@ -1257,7 +1292,7 @@
             </a:lvl9pPr>
           </a:lstStyle>
           <a:p>
-            <a:pPr lvl="0"/>
+            <a:pPr lvl="0" algn="r"/>
             <a:r>
               <a:rPr lang="en-US" sz="8000" dirty="0">
                 <a:solidFill>
@@ -1272,7 +1307,7 @@
       </p:sp>
       <p:sp>
         <p:nvSpPr>
-          <p:cNvPr id="12" name="Title 1"/>
+          <p:cNvPr id="16" name="Title 1"/>
           <p:cNvSpPr>
             <a:spLocks noGrp="1"/>
           </p:cNvSpPr>
@@ -1282,8 +1317,8 @@
         </p:nvSpPr>
         <p:spPr>
           <a:xfrm>
-            <a:off x="879115" y="609602"/>
-            <a:ext cx="7091297" cy="2743199"/>
+            <a:off x="992267" y="609601"/>
+            <a:ext cx="9550399" cy="2743199"/>
           </a:xfrm>
         </p:spPr>
         <p:txBody>
@@ -1310,7 +1345,7 @@
       </p:sp>
       <p:sp>
         <p:nvSpPr>
-          <p:cNvPr id="13" name="Text Placeholder 9"/>
+          <p:cNvPr id="10" name="Text Placeholder 9"/>
           <p:cNvSpPr>
             <a:spLocks noGrp="1"/>
           </p:cNvSpPr>
@@ -1320,19 +1355,17 @@
         </p:nvSpPr>
         <p:spPr>
           <a:xfrm>
-            <a:off x="988671" y="3352800"/>
-            <a:ext cx="6876133" cy="381000"/>
+            <a:off x="1097875" y="3352800"/>
+            <a:ext cx="9339184" cy="381000"/>
           </a:xfrm>
         </p:spPr>
         <p:txBody>
-          <a:bodyPr anchor="ctr">
-            <a:normAutofit/>
-          </a:bodyPr>
+          <a:bodyPr anchor="ctr"/>
           <a:lstStyle>
             <a:lvl1pPr marL="0" indent="0">
               <a:buFontTx/>
               <a:buNone/>
-              <a:defRPr sz="1600"/>
+              <a:defRPr/>
             </a:lvl1pPr>
             <a:lvl2pPr marL="457200" indent="0">
               <a:buFontTx/>
@@ -1376,8 +1409,8 @@
         </p:nvSpPr>
         <p:spPr>
           <a:xfrm>
-            <a:off x="462266" y="4343400"/>
-            <a:ext cx="7772400" cy="1447800"/>
+            <a:off x="687465" y="4343400"/>
+            <a:ext cx="10152367" cy="1447800"/>
           </a:xfrm>
         </p:spPr>
         <p:txBody>
@@ -1553,7 +1586,7 @@
     </p:spTree>
     <p:extLst>
       <p:ext uri="{BB962C8B-B14F-4D97-AF65-F5344CB8AC3E}">
-        <p14:creationId xmlns:p14="http://schemas.microsoft.com/office/powerpoint/2010/main" val="3535780663"/>
+        <p14:creationId xmlns:p14="http://schemas.microsoft.com/office/powerpoint/2010/main" val="3738101906"/>
       </p:ext>
     </p:extLst>
   </p:cSld>
@@ -1582,7 +1615,7 @@
       </p:grpSpPr>
       <p:pic>
         <p:nvPicPr>
-          <p:cNvPr id="7" name="Picture 6" descr="Celestia-R1---OverlayContentSD.png"/>
+          <p:cNvPr id="7" name="Picture 6" descr="Celestia-R1---OverlayContentHD.png"/>
           <p:cNvPicPr>
             <a:picLocks noChangeAspect="1"/>
           </p:cNvPicPr>
@@ -1602,8 +1635,8 @@
         </p:blipFill>
         <p:spPr>
           <a:xfrm>
-            <a:off x="13956" y="0"/>
-            <a:ext cx="9118600" cy="6858000"/>
+            <a:off x="0" y="0"/>
+            <a:ext cx="12188825" cy="6856214"/>
           </a:xfrm>
           <a:prstGeom prst="rect">
             <a:avLst/>
@@ -1622,8 +1655,8 @@
         </p:nvSpPr>
         <p:spPr>
           <a:xfrm>
-            <a:off x="457201" y="3291648"/>
-            <a:ext cx="7772401" cy="1468800"/>
+            <a:off x="685802" y="3308581"/>
+            <a:ext cx="10131425" cy="1468800"/>
           </a:xfrm>
         </p:spPr>
         <p:txBody>
@@ -1632,7 +1665,7 @@
           </a:bodyPr>
           <a:lstStyle>
             <a:lvl1pPr algn="l">
-              <a:defRPr sz="2800" b="0" cap="none"/>
+              <a:defRPr sz="3200" b="0" cap="none"/>
             </a:lvl1pPr>
           </a:lstStyle>
           <a:p>
@@ -1656,8 +1689,8 @@
         </p:nvSpPr>
         <p:spPr>
           <a:xfrm>
-            <a:off x="457200" y="4760448"/>
-            <a:ext cx="7772402" cy="860400"/>
+            <a:off x="685801" y="4777381"/>
+            <a:ext cx="10131426" cy="860400"/>
           </a:xfrm>
         </p:spPr>
         <p:txBody>
@@ -1667,7 +1700,7 @@
           <a:lstStyle>
             <a:lvl1pPr marL="0" indent="0" algn="l">
               <a:buNone/>
-              <a:defRPr sz="1800">
+              <a:defRPr sz="2000">
                 <a:solidFill>
                   <a:schemeClr val="tx1"/>
                 </a:solidFill>
@@ -1833,7 +1866,7 @@
     </p:spTree>
     <p:extLst>
       <p:ext uri="{BB962C8B-B14F-4D97-AF65-F5344CB8AC3E}">
-        <p14:creationId xmlns:p14="http://schemas.microsoft.com/office/powerpoint/2010/main" val="3502878691"/>
+        <p14:creationId xmlns:p14="http://schemas.microsoft.com/office/powerpoint/2010/main" val="382699876"/>
       </p:ext>
     </p:extLst>
   </p:cSld>
@@ -1862,7 +1895,7 @@
       </p:grpSpPr>
       <p:pic>
         <p:nvPicPr>
-          <p:cNvPr id="13" name="Picture 12" descr="Celestia-R1---OverlayContentSD.png"/>
+          <p:cNvPr id="11" name="Picture 10" descr="Celestia-R1---OverlayContentHD.png"/>
           <p:cNvPicPr>
             <a:picLocks noChangeAspect="1"/>
           </p:cNvPicPr>
@@ -1882,8 +1915,8 @@
         </p:blipFill>
         <p:spPr>
           <a:xfrm>
-            <a:off x="13956" y="0"/>
-            <a:ext cx="9118600" cy="6858000"/>
+            <a:off x="0" y="0"/>
+            <a:ext cx="12188825" cy="6856214"/>
           </a:xfrm>
           <a:prstGeom prst="rect">
             <a:avLst/>
@@ -1892,14 +1925,14 @@
       </p:pic>
       <p:sp>
         <p:nvSpPr>
-          <p:cNvPr id="16" name="TextBox 15"/>
+          <p:cNvPr id="13" name="TextBox 12"/>
           <p:cNvSpPr txBox="1"/>
           <p:nvPr/>
         </p:nvSpPr>
         <p:spPr>
           <a:xfrm>
-            <a:off x="7735800" y="2751671"/>
-            <a:ext cx="457319" cy="584776"/>
+            <a:off x="10237867" y="2743200"/>
+            <a:ext cx="609600" cy="584776"/>
           </a:xfrm>
           <a:prstGeom prst="rect">
             <a:avLst/>
@@ -2008,14 +2041,14 @@
       </p:sp>
       <p:sp>
         <p:nvSpPr>
-          <p:cNvPr id="11" name="TextBox 10"/>
+          <p:cNvPr id="14" name="TextBox 13"/>
           <p:cNvSpPr txBox="1"/>
           <p:nvPr/>
         </p:nvSpPr>
         <p:spPr>
           <a:xfrm>
-            <a:off x="421796" y="718114"/>
-            <a:ext cx="457319" cy="584776"/>
+            <a:off x="488275" y="823337"/>
+            <a:ext cx="609600" cy="584776"/>
           </a:xfrm>
           <a:prstGeom prst="rect">
             <a:avLst/>
@@ -2109,7 +2142,7 @@
             </a:lvl9pPr>
           </a:lstStyle>
           <a:p>
-            <a:pPr lvl="0"/>
+            <a:pPr lvl="0" algn="r"/>
             <a:r>
               <a:rPr lang="en-US" sz="8000" dirty="0">
                 <a:solidFill>
@@ -2124,7 +2157,7 @@
       </p:sp>
       <p:sp>
         <p:nvSpPr>
-          <p:cNvPr id="12" name="Title 1"/>
+          <p:cNvPr id="16" name="Title 1"/>
           <p:cNvSpPr>
             <a:spLocks noGrp="1"/>
           </p:cNvSpPr>
@@ -2134,8 +2167,8 @@
         </p:nvSpPr>
         <p:spPr>
           <a:xfrm>
-            <a:off x="879115" y="609602"/>
-            <a:ext cx="7091297" cy="2743199"/>
+            <a:off x="992267" y="609601"/>
+            <a:ext cx="9550399" cy="2743199"/>
           </a:xfrm>
         </p:spPr>
         <p:txBody>
@@ -2172,8 +2205,8 @@
         </p:nvSpPr>
         <p:spPr>
           <a:xfrm>
-            <a:off x="457200" y="3886200"/>
-            <a:ext cx="7772401" cy="889000"/>
+            <a:off x="685800" y="3886200"/>
+            <a:ext cx="10135436" cy="889000"/>
           </a:xfrm>
         </p:spPr>
         <p:txBody>
@@ -2183,7 +2216,7 @@
           <a:lstStyle>
             <a:lvl1pPr>
               <a:buNone/>
-              <a:defRPr lang="en-US" sz="2000" b="0" cap="none" dirty="0">
+              <a:defRPr lang="en-US" sz="2400" b="0" cap="none" dirty="0">
                 <a:ln w="3175" cmpd="sng">
                   <a:noFill/>
                 </a:ln>
@@ -2220,8 +2253,8 @@
         </p:nvSpPr>
         <p:spPr>
           <a:xfrm>
-            <a:off x="457200" y="4775200"/>
-            <a:ext cx="7772401" cy="1016000"/>
+            <a:off x="685799" y="4775200"/>
+            <a:ext cx="10135436" cy="1016000"/>
           </a:xfrm>
         </p:spPr>
         <p:txBody>
@@ -2231,7 +2264,7 @@
           <a:lstStyle>
             <a:lvl1pPr marL="0" indent="0" algn="l">
               <a:buNone/>
-              <a:defRPr sz="1600">
+              <a:defRPr sz="1800">
                 <a:solidFill>
                   <a:schemeClr val="tx1"/>
                 </a:solidFill>
@@ -2239,7 +2272,7 @@
             </a:lvl1pPr>
             <a:lvl2pPr marL="457200" indent="0">
               <a:buNone/>
-              <a:defRPr sz="1600">
+              <a:defRPr sz="1800">
                 <a:solidFill>
                   <a:schemeClr val="tx1">
                     <a:tint val="75000"/>
@@ -2397,7 +2430,7 @@
     </p:spTree>
     <p:extLst>
       <p:ext uri="{BB962C8B-B14F-4D97-AF65-F5344CB8AC3E}">
-        <p14:creationId xmlns:p14="http://schemas.microsoft.com/office/powerpoint/2010/main" val="3353372811"/>
+        <p14:creationId xmlns:p14="http://schemas.microsoft.com/office/powerpoint/2010/main" val="2320738892"/>
       </p:ext>
     </p:extLst>
   </p:cSld>
@@ -2426,7 +2459,7 @@
       </p:grpSpPr>
       <p:pic>
         <p:nvPicPr>
-          <p:cNvPr id="8" name="Picture 7" descr="Celestia-R1---OverlayContentSD.png"/>
+          <p:cNvPr id="8" name="Picture 7" descr="Celestia-R1---OverlayContentHD.png"/>
           <p:cNvPicPr>
             <a:picLocks noChangeAspect="1"/>
           </p:cNvPicPr>
@@ -2446,8 +2479,8 @@
         </p:blipFill>
         <p:spPr>
           <a:xfrm>
-            <a:off x="13956" y="0"/>
-            <a:ext cx="9118600" cy="6858000"/>
+            <a:off x="0" y="0"/>
+            <a:ext cx="12188825" cy="6856214"/>
           </a:xfrm>
           <a:prstGeom prst="rect">
             <a:avLst/>
@@ -2466,8 +2499,8 @@
         </p:nvSpPr>
         <p:spPr>
           <a:xfrm>
-            <a:off x="464440" y="609602"/>
-            <a:ext cx="7772401" cy="2743199"/>
+            <a:off x="685801" y="609601"/>
+            <a:ext cx="10131427" cy="2743199"/>
           </a:xfrm>
         </p:spPr>
         <p:txBody>
@@ -2476,7 +2509,7 @@
           </a:bodyPr>
           <a:lstStyle>
             <a:lvl1pPr>
-              <a:defRPr lang="en-US" sz="2800" b="0" dirty="0"/>
+              <a:defRPr lang="en-US" b="0" dirty="0"/>
             </a:lvl1pPr>
           </a:lstStyle>
           <a:p>
@@ -2501,8 +2534,8 @@
         </p:nvSpPr>
         <p:spPr>
           <a:xfrm>
-            <a:off x="464440" y="3505200"/>
-            <a:ext cx="7772401" cy="838200"/>
+            <a:off x="685801" y="3505200"/>
+            <a:ext cx="10131428" cy="838200"/>
           </a:xfrm>
         </p:spPr>
         <p:txBody>
@@ -2512,7 +2545,7 @@
           <a:lstStyle>
             <a:lvl1pPr>
               <a:buNone/>
-              <a:defRPr lang="en-US" sz="2000" b="0" cap="none" dirty="0">
+              <a:defRPr lang="en-US" sz="2800" b="0" cap="none" dirty="0">
                 <a:ln w="3175" cmpd="sng">
                   <a:noFill/>
                 </a:ln>
@@ -2549,8 +2582,8 @@
         </p:nvSpPr>
         <p:spPr>
           <a:xfrm>
-            <a:off x="464439" y="4343400"/>
-            <a:ext cx="7772401" cy="1447800"/>
+            <a:off x="685800" y="4343400"/>
+            <a:ext cx="10131428" cy="1447800"/>
           </a:xfrm>
         </p:spPr>
         <p:txBody>
@@ -2560,7 +2593,7 @@
           <a:lstStyle>
             <a:lvl1pPr marL="0" indent="0" algn="l">
               <a:buNone/>
-              <a:defRPr sz="1600">
+              <a:defRPr sz="1800">
                 <a:solidFill>
                   <a:schemeClr val="tx1"/>
                 </a:solidFill>
@@ -2568,7 +2601,7 @@
             </a:lvl1pPr>
             <a:lvl2pPr marL="457200" indent="0">
               <a:buNone/>
-              <a:defRPr sz="1600">
+              <a:defRPr sz="1800">
                 <a:solidFill>
                   <a:schemeClr val="tx1">
                     <a:tint val="75000"/>
@@ -2726,7 +2759,7 @@
     </p:spTree>
     <p:extLst>
       <p:ext uri="{BB962C8B-B14F-4D97-AF65-F5344CB8AC3E}">
-        <p14:creationId xmlns:p14="http://schemas.microsoft.com/office/powerpoint/2010/main" val="3285734743"/>
+        <p14:creationId xmlns:p14="http://schemas.microsoft.com/office/powerpoint/2010/main" val="2629045339"/>
       </p:ext>
     </p:extLst>
   </p:cSld>
@@ -2755,7 +2788,7 @@
       </p:grpSpPr>
       <p:pic>
         <p:nvPicPr>
-          <p:cNvPr id="7" name="Picture 6" descr="Celestia-R1---OverlayContentSD.png"/>
+          <p:cNvPr id="7" name="Picture 6" descr="Celestia-R1---OverlayContentHD.png"/>
           <p:cNvPicPr>
             <a:picLocks noChangeAspect="1"/>
           </p:cNvPicPr>
@@ -2775,8 +2808,8 @@
         </p:blipFill>
         <p:spPr>
           <a:xfrm>
-            <a:off x="13956" y="0"/>
-            <a:ext cx="9118600" cy="6858000"/>
+            <a:off x="0" y="0"/>
+            <a:ext cx="12188825" cy="6856214"/>
           </a:xfrm>
           <a:prstGeom prst="rect">
             <a:avLst/>
@@ -2795,19 +2828,13 @@
         </p:nvSpPr>
         <p:spPr>
           <a:xfrm>
-            <a:off x="457200" y="609601"/>
-            <a:ext cx="7772400" cy="1456267"/>
+            <a:off x="685801" y="609600"/>
+            <a:ext cx="10131425" cy="1456267"/>
           </a:xfrm>
         </p:spPr>
         <p:txBody>
-          <a:bodyPr>
-            <a:normAutofit/>
-          </a:bodyPr>
-          <a:lstStyle>
-            <a:lvl1pPr>
-              <a:defRPr sz="2800"/>
-            </a:lvl1pPr>
-          </a:lstStyle>
+          <a:bodyPr/>
+          <a:lstStyle/>
           <a:p>
             <a:r>
               <a:rPr lang="de-DE"/>
@@ -2939,7 +2966,7 @@
     </p:spTree>
     <p:extLst>
       <p:ext uri="{BB962C8B-B14F-4D97-AF65-F5344CB8AC3E}">
-        <p14:creationId xmlns:p14="http://schemas.microsoft.com/office/powerpoint/2010/main" val="1461609991"/>
+        <p14:creationId xmlns:p14="http://schemas.microsoft.com/office/powerpoint/2010/main" val="3311232828"/>
       </p:ext>
     </p:extLst>
   </p:cSld>
@@ -2968,7 +2995,7 @@
       </p:grpSpPr>
       <p:pic>
         <p:nvPicPr>
-          <p:cNvPr id="7" name="Picture 6" descr="Celestia-R1---OverlayContentSD.png"/>
+          <p:cNvPr id="7" name="Picture 6" descr="Celestia-R1---OverlayContentHD.png"/>
           <p:cNvPicPr>
             <a:picLocks noChangeAspect="1"/>
           </p:cNvPicPr>
@@ -2988,8 +3015,8 @@
         </p:blipFill>
         <p:spPr>
           <a:xfrm>
-            <a:off x="13956" y="0"/>
-            <a:ext cx="9118600" cy="6858000"/>
+            <a:off x="0" y="0"/>
+            <a:ext cx="12188825" cy="6856214"/>
           </a:xfrm>
           <a:prstGeom prst="rect">
             <a:avLst/>
@@ -3008,19 +3035,13 @@
         </p:nvSpPr>
         <p:spPr>
           <a:xfrm>
-            <a:off x="6552978" y="609600"/>
-            <a:ext cx="1676621" cy="5181601"/>
+            <a:off x="8658675" y="609599"/>
+            <a:ext cx="2158552" cy="5181601"/>
           </a:xfrm>
         </p:spPr>
         <p:txBody>
-          <a:bodyPr vert="eaVert">
-            <a:normAutofit/>
-          </a:bodyPr>
-          <a:lstStyle>
-            <a:lvl1pPr>
-              <a:defRPr sz="2800"/>
-            </a:lvl1pPr>
-          </a:lstStyle>
+          <a:bodyPr vert="eaVert"/>
+          <a:lstStyle/>
           <a:p>
             <a:r>
               <a:rPr lang="de-DE"/>
@@ -3042,8 +3063,8 @@
         </p:nvSpPr>
         <p:spPr>
           <a:xfrm>
-            <a:off x="457200" y="609600"/>
-            <a:ext cx="5990184" cy="5181600"/>
+            <a:off x="685800" y="609600"/>
+            <a:ext cx="7832116" cy="5181600"/>
           </a:xfrm>
         </p:spPr>
         <p:txBody>
@@ -3157,7 +3178,7 @@
     </p:spTree>
     <p:extLst>
       <p:ext uri="{BB962C8B-B14F-4D97-AF65-F5344CB8AC3E}">
-        <p14:creationId xmlns:p14="http://schemas.microsoft.com/office/powerpoint/2010/main" val="629823565"/>
+        <p14:creationId xmlns:p14="http://schemas.microsoft.com/office/powerpoint/2010/main" val="2505824377"/>
       </p:ext>
     </p:extLst>
   </p:cSld>
@@ -3186,7 +3207,7 @@
       </p:grpSpPr>
       <p:pic>
         <p:nvPicPr>
-          <p:cNvPr id="8" name="Picture 7" descr="Celestia-R1---OverlayContentSD.png"/>
+          <p:cNvPr id="7" name="Picture 6" descr="Celestia-R1---OverlayContentHD.png"/>
           <p:cNvPicPr>
             <a:picLocks noChangeAspect="1"/>
           </p:cNvPicPr>
@@ -3206,8 +3227,8 @@
         </p:blipFill>
         <p:spPr>
           <a:xfrm>
-            <a:off x="13956" y="0"/>
-            <a:ext cx="9118600" cy="6858000"/>
+            <a:off x="0" y="0"/>
+            <a:ext cx="12188825" cy="6856214"/>
           </a:xfrm>
           <a:prstGeom prst="rect">
             <a:avLst/>
@@ -3226,14 +3247,8 @@
         </p:nvSpPr>
         <p:spPr/>
         <p:txBody>
-          <a:bodyPr>
-            <a:normAutofit/>
-          </a:bodyPr>
-          <a:lstStyle>
-            <a:lvl1pPr>
-              <a:defRPr sz="2800"/>
-            </a:lvl1pPr>
-          </a:lstStyle>
+          <a:bodyPr/>
+          <a:lstStyle/>
           <a:p>
             <a:r>
               <a:rPr lang="de-DE"/>
@@ -3365,7 +3380,7 @@
     </p:spTree>
     <p:extLst>
       <p:ext uri="{BB962C8B-B14F-4D97-AF65-F5344CB8AC3E}">
-        <p14:creationId xmlns:p14="http://schemas.microsoft.com/office/powerpoint/2010/main" val="1603644882"/>
+        <p14:creationId xmlns:p14="http://schemas.microsoft.com/office/powerpoint/2010/main" val="2134366922"/>
       </p:ext>
     </p:extLst>
   </p:cSld>
@@ -3394,7 +3409,7 @@
       </p:grpSpPr>
       <p:pic>
         <p:nvPicPr>
-          <p:cNvPr id="8" name="Picture 7" descr="Celestia-R1---OverlayContentSD.png"/>
+          <p:cNvPr id="7" name="Picture 6" descr="Celestia-R1---OverlayContentHD.png"/>
           <p:cNvPicPr>
             <a:picLocks noChangeAspect="1"/>
           </p:cNvPicPr>
@@ -3414,8 +3429,8 @@
         </p:blipFill>
         <p:spPr>
           <a:xfrm>
-            <a:off x="13956" y="0"/>
-            <a:ext cx="9118600" cy="6858000"/>
+            <a:off x="0" y="0"/>
+            <a:ext cx="12188825" cy="6856214"/>
           </a:xfrm>
           <a:prstGeom prst="rect">
             <a:avLst/>
@@ -3434,17 +3449,15 @@
         </p:nvSpPr>
         <p:spPr>
           <a:xfrm>
-            <a:off x="457202" y="3308581"/>
-            <a:ext cx="7772400" cy="1468800"/>
+            <a:off x="685800" y="3308581"/>
+            <a:ext cx="10131427" cy="1468800"/>
           </a:xfrm>
         </p:spPr>
         <p:txBody>
-          <a:bodyPr anchor="b">
-            <a:normAutofit/>
-          </a:bodyPr>
+          <a:bodyPr anchor="b"/>
           <a:lstStyle>
             <a:lvl1pPr algn="l">
-              <a:defRPr sz="3200" b="0" cap="all"/>
+              <a:defRPr sz="4000" b="0" cap="all"/>
             </a:lvl1pPr>
           </a:lstStyle>
           <a:p>
@@ -3468,8 +3481,8 @@
         </p:nvSpPr>
         <p:spPr>
           <a:xfrm>
-            <a:off x="457201" y="4777381"/>
-            <a:ext cx="7772400" cy="860400"/>
+            <a:off x="685799" y="4777381"/>
+            <a:ext cx="10131428" cy="860400"/>
           </a:xfrm>
         </p:spPr>
         <p:txBody>
@@ -3479,7 +3492,7 @@
           <a:lstStyle>
             <a:lvl1pPr marL="0" indent="0" algn="l">
               <a:buNone/>
-              <a:defRPr sz="1800" cap="all">
+              <a:defRPr sz="2000" cap="all">
                 <a:solidFill>
                   <a:schemeClr val="tx1"/>
                 </a:solidFill>
@@ -3645,7 +3658,7 @@
     </p:spTree>
     <p:extLst>
       <p:ext uri="{BB962C8B-B14F-4D97-AF65-F5344CB8AC3E}">
-        <p14:creationId xmlns:p14="http://schemas.microsoft.com/office/powerpoint/2010/main" val="1359634145"/>
+        <p14:creationId xmlns:p14="http://schemas.microsoft.com/office/powerpoint/2010/main" val="3775498289"/>
       </p:ext>
     </p:extLst>
   </p:cSld>
@@ -3674,7 +3687,7 @@
       </p:grpSpPr>
       <p:pic>
         <p:nvPicPr>
-          <p:cNvPr id="10" name="Picture 9" descr="Celestia-R1---OverlayContentSD.png"/>
+          <p:cNvPr id="8" name="Picture 7" descr="Celestia-R1---OverlayContentHD.png"/>
           <p:cNvPicPr>
             <a:picLocks noChangeAspect="1"/>
           </p:cNvPicPr>
@@ -3694,8 +3707,8 @@
         </p:blipFill>
         <p:spPr>
           <a:xfrm>
-            <a:off x="13956" y="0"/>
-            <a:ext cx="9118600" cy="6858000"/>
+            <a:off x="0" y="0"/>
+            <a:ext cx="12188825" cy="6856214"/>
           </a:xfrm>
           <a:prstGeom prst="rect">
             <a:avLst/>
@@ -3737,8 +3750,8 @@
         </p:nvSpPr>
         <p:spPr>
           <a:xfrm>
-            <a:off x="457201" y="2142068"/>
-            <a:ext cx="3813048" cy="3649134"/>
+            <a:off x="685802" y="2142067"/>
+            <a:ext cx="4995334" cy="3649134"/>
           </a:xfrm>
         </p:spPr>
         <p:txBody>
@@ -3796,8 +3809,8 @@
         </p:nvSpPr>
         <p:spPr>
           <a:xfrm>
-            <a:off x="4416553" y="2142068"/>
-            <a:ext cx="3813048" cy="3649133"/>
+            <a:off x="5821895" y="2142067"/>
+            <a:ext cx="4995332" cy="3649133"/>
           </a:xfrm>
         </p:spPr>
         <p:txBody>
@@ -3913,7 +3926,7 @@
     </p:spTree>
     <p:extLst>
       <p:ext uri="{BB962C8B-B14F-4D97-AF65-F5344CB8AC3E}">
-        <p14:creationId xmlns:p14="http://schemas.microsoft.com/office/powerpoint/2010/main" val="122662973"/>
+        <p14:creationId xmlns:p14="http://schemas.microsoft.com/office/powerpoint/2010/main" val="2788201822"/>
       </p:ext>
     </p:extLst>
   </p:cSld>
@@ -3940,79 +3953,47 @@
           <a:chExt cx="0" cy="0"/>
         </a:xfrm>
       </p:grpSpPr>
-      <p:pic>
-        <p:nvPicPr>
-          <p:cNvPr id="13" name="Picture 12" descr="Celestia-R1---OverlayContentSD.png"/>
-          <p:cNvPicPr>
-            <a:picLocks noChangeAspect="1"/>
-          </p:cNvPicPr>
-          <p:nvPr/>
-        </p:nvPicPr>
-        <p:blipFill>
-          <a:blip r:embed="rId2">
-            <a:extLst>
-              <a:ext uri="{28A0092B-C50C-407E-A947-70E740481C1C}">
-                <a14:useLocalDpi xmlns:a14="http://schemas.microsoft.com/office/drawing/2010/main" val="0"/>
-              </a:ext>
-            </a:extLst>
-          </a:blip>
-          <a:stretch>
-            <a:fillRect/>
-          </a:stretch>
-        </p:blipFill>
+      <p:sp>
+        <p:nvSpPr>
+          <p:cNvPr id="2" name="Title 1"/>
+          <p:cNvSpPr>
+            <a:spLocks noGrp="1"/>
+          </p:cNvSpPr>
+          <p:nvPr>
+            <p:ph type="title"/>
+          </p:nvPr>
+        </p:nvSpPr>
+        <p:spPr/>
+        <p:txBody>
+          <a:bodyPr/>
+          <a:lstStyle>
+            <a:lvl1pPr>
+              <a:defRPr/>
+            </a:lvl1pPr>
+          </a:lstStyle>
+          <a:p>
+            <a:r>
+              <a:rPr lang="de-DE"/>
+              <a:t>Mastertitelformat bearbeiten</a:t>
+            </a:r>
+            <a:endParaRPr lang="en-US" dirty="0"/>
+          </a:p>
+        </p:txBody>
+      </p:sp>
+      <p:sp>
+        <p:nvSpPr>
+          <p:cNvPr id="3" name="Text Placeholder 2"/>
+          <p:cNvSpPr>
+            <a:spLocks noGrp="1"/>
+          </p:cNvSpPr>
+          <p:nvPr>
+            <p:ph type="body" idx="1" hasCustomPrompt="1"/>
+          </p:nvPr>
+        </p:nvSpPr>
         <p:spPr>
           <a:xfrm>
-            <a:off x="13956" y="0"/>
-            <a:ext cx="9118600" cy="6858000"/>
-          </a:xfrm>
-          <a:prstGeom prst="rect">
-            <a:avLst/>
-          </a:prstGeom>
-        </p:spPr>
-      </p:pic>
-      <p:sp>
-        <p:nvSpPr>
-          <p:cNvPr id="2" name="Title 1"/>
-          <p:cNvSpPr>
-            <a:spLocks noGrp="1"/>
-          </p:cNvSpPr>
-          <p:nvPr>
-            <p:ph type="title"/>
-          </p:nvPr>
-        </p:nvSpPr>
-        <p:spPr/>
-        <p:txBody>
-          <a:bodyPr>
-            <a:normAutofit/>
-          </a:bodyPr>
-          <a:lstStyle>
-            <a:lvl1pPr>
-              <a:defRPr sz="3200"/>
-            </a:lvl1pPr>
-          </a:lstStyle>
-          <a:p>
-            <a:r>
-              <a:rPr lang="de-DE"/>
-              <a:t>Mastertitelformat bearbeiten</a:t>
-            </a:r>
-            <a:endParaRPr lang="en-US" dirty="0"/>
-          </a:p>
-        </p:txBody>
-      </p:sp>
-      <p:sp>
-        <p:nvSpPr>
-          <p:cNvPr id="3" name="Text Placeholder 2"/>
-          <p:cNvSpPr>
-            <a:spLocks noGrp="1"/>
-          </p:cNvSpPr>
-          <p:nvPr>
-            <p:ph type="body" idx="1"/>
-          </p:nvPr>
-        </p:nvSpPr>
-        <p:spPr>
-          <a:xfrm>
-            <a:off x="743480" y="2218267"/>
-            <a:ext cx="3540603" cy="576262"/>
+            <a:off x="973670" y="2218267"/>
+            <a:ext cx="4709054" cy="576262"/>
           </a:xfrm>
         </p:spPr>
         <p:txBody>
@@ -4022,7 +4003,7 @@
           <a:lstStyle>
             <a:lvl1pPr marL="0" indent="0">
               <a:buNone/>
-              <a:defRPr sz="2400" b="0"/>
+              <a:defRPr sz="2800" b="0"/>
             </a:lvl1pPr>
             <a:lvl2pPr marL="457200" indent="0">
               <a:buNone/>
@@ -4060,8 +4041,8 @@
           <a:p>
             <a:pPr lvl="0"/>
             <a:r>
-              <a:rPr lang="de-DE"/>
-              <a:t>Mastertextformat bearbeiten</a:t>
+              <a:rPr lang="en-US" dirty="0"/>
+              <a:t>CLICK TO EDIT MASTER TEXT STYLES</a:t>
             </a:r>
           </a:p>
         </p:txBody>
@@ -4078,8 +4059,8 @@
         </p:nvSpPr>
         <p:spPr>
           <a:xfrm>
-            <a:off x="457200" y="2870201"/>
-            <a:ext cx="3813048" cy="2920998"/>
+            <a:off x="685801" y="2870201"/>
+            <a:ext cx="4996923" cy="2920998"/>
           </a:xfrm>
         </p:spPr>
         <p:txBody>
@@ -4132,13 +4113,13 @@
             <a:spLocks noGrp="1"/>
           </p:cNvSpPr>
           <p:nvPr>
-            <p:ph type="body" sz="quarter" idx="3"/>
+            <p:ph type="body" sz="quarter" idx="3" hasCustomPrompt="1"/>
           </p:nvPr>
         </p:nvSpPr>
         <p:spPr>
           <a:xfrm>
-            <a:off x="4711120" y="2218267"/>
-            <a:ext cx="3518480" cy="576262"/>
+            <a:off x="6096003" y="2226734"/>
+            <a:ext cx="4722813" cy="576262"/>
           </a:xfrm>
         </p:spPr>
         <p:txBody>
@@ -4148,7 +4129,7 @@
           <a:lstStyle>
             <a:lvl1pPr marL="0" indent="0">
               <a:buNone/>
-              <a:defRPr sz="2400" b="0"/>
+              <a:defRPr sz="2800" b="0"/>
             </a:lvl1pPr>
             <a:lvl2pPr marL="457200" indent="0">
               <a:buNone/>
@@ -4186,8 +4167,8 @@
           <a:p>
             <a:pPr lvl="0"/>
             <a:r>
-              <a:rPr lang="de-DE"/>
-              <a:t>Mastertextformat bearbeiten</a:t>
+              <a:rPr lang="en-US" dirty="0"/>
+              <a:t>CLICK TO EDIT MASTER TEXT STYLES</a:t>
             </a:r>
           </a:p>
         </p:txBody>
@@ -4204,8 +4185,8 @@
         </p:nvSpPr>
         <p:spPr>
           <a:xfrm>
-            <a:off x="4416552" y="2870201"/>
-            <a:ext cx="3813048" cy="2920998"/>
+            <a:off x="5823483" y="2870201"/>
+            <a:ext cx="4995334" cy="2920998"/>
           </a:xfrm>
         </p:spPr>
         <p:txBody>
@@ -4321,7 +4302,7 @@
     </p:spTree>
     <p:extLst>
       <p:ext uri="{BB962C8B-B14F-4D97-AF65-F5344CB8AC3E}">
-        <p14:creationId xmlns:p14="http://schemas.microsoft.com/office/powerpoint/2010/main" val="472745676"/>
+        <p14:creationId xmlns:p14="http://schemas.microsoft.com/office/powerpoint/2010/main" val="3326864159"/>
       </p:ext>
     </p:extLst>
   </p:cSld>
@@ -4350,7 +4331,7 @@
       </p:grpSpPr>
       <p:pic>
         <p:nvPicPr>
-          <p:cNvPr id="6" name="Picture 5" descr="Celestia-R1---OverlayContentSD.png"/>
+          <p:cNvPr id="6" name="Picture 5" descr="Celestia-R1---OverlayContentHD.png"/>
           <p:cNvPicPr>
             <a:picLocks noChangeAspect="1"/>
           </p:cNvPicPr>
@@ -4370,8 +4351,8 @@
         </p:blipFill>
         <p:spPr>
           <a:xfrm>
-            <a:off x="13956" y="0"/>
-            <a:ext cx="9118600" cy="6858000"/>
+            <a:off x="0" y="0"/>
+            <a:ext cx="12188825" cy="6856214"/>
           </a:xfrm>
           <a:prstGeom prst="rect">
             <a:avLst/>
@@ -4388,21 +4369,10 @@
             <p:ph type="title"/>
           </p:nvPr>
         </p:nvSpPr>
-        <p:spPr>
-          <a:xfrm>
-            <a:off x="457201" y="609601"/>
-            <a:ext cx="7772400" cy="1456267"/>
-          </a:xfrm>
-        </p:spPr>
-        <p:txBody>
-          <a:bodyPr>
-            <a:normAutofit/>
-          </a:bodyPr>
-          <a:lstStyle>
-            <a:lvl1pPr>
-              <a:defRPr sz="3200"/>
-            </a:lvl1pPr>
-          </a:lstStyle>
+        <p:spPr/>
+        <p:txBody>
+          <a:bodyPr/>
+          <a:lstStyle/>
           <a:p>
             <a:r>
               <a:rPr lang="de-DE"/>
@@ -4482,7 +4452,7 @@
     </p:spTree>
     <p:extLst>
       <p:ext uri="{BB962C8B-B14F-4D97-AF65-F5344CB8AC3E}">
-        <p14:creationId xmlns:p14="http://schemas.microsoft.com/office/powerpoint/2010/main" val="1555762228"/>
+        <p14:creationId xmlns:p14="http://schemas.microsoft.com/office/powerpoint/2010/main" val="3199311261"/>
       </p:ext>
     </p:extLst>
   </p:cSld>
@@ -4511,7 +4481,7 @@
       </p:grpSpPr>
       <p:pic>
         <p:nvPicPr>
-          <p:cNvPr id="5" name="Picture 4" descr="Celestia-R1---OverlayContentSD.png"/>
+          <p:cNvPr id="5" name="Picture 4" descr="Celestia-R1---OverlayContentHD.png"/>
           <p:cNvPicPr>
             <a:picLocks noChangeAspect="1"/>
           </p:cNvPicPr>
@@ -4531,8 +4501,8 @@
         </p:blipFill>
         <p:spPr>
           <a:xfrm>
-            <a:off x="13956" y="0"/>
-            <a:ext cx="9118600" cy="6858000"/>
+            <a:off x="0" y="0"/>
+            <a:ext cx="12188825" cy="6856214"/>
           </a:xfrm>
           <a:prstGeom prst="rect">
             <a:avLst/>
@@ -4609,7 +4579,7 @@
     </p:spTree>
     <p:extLst>
       <p:ext uri="{BB962C8B-B14F-4D97-AF65-F5344CB8AC3E}">
-        <p14:creationId xmlns:p14="http://schemas.microsoft.com/office/powerpoint/2010/main" val="1064592438"/>
+        <p14:creationId xmlns:p14="http://schemas.microsoft.com/office/powerpoint/2010/main" val="782777540"/>
       </p:ext>
     </p:extLst>
   </p:cSld>
@@ -4638,7 +4608,7 @@
       </p:grpSpPr>
       <p:pic>
         <p:nvPicPr>
-          <p:cNvPr id="12" name="Picture 11" descr="Celestia-R1---OverlayContentSD.png"/>
+          <p:cNvPr id="8" name="Picture 7" descr="Celestia-R1---OverlayContentHD.png"/>
           <p:cNvPicPr>
             <a:picLocks noChangeAspect="1"/>
           </p:cNvPicPr>
@@ -4658,8 +4628,8 @@
         </p:blipFill>
         <p:spPr>
           <a:xfrm>
-            <a:off x="13956" y="0"/>
-            <a:ext cx="9118600" cy="6858000"/>
+            <a:off x="0" y="0"/>
+            <a:ext cx="12188825" cy="6856214"/>
           </a:xfrm>
           <a:prstGeom prst="rect">
             <a:avLst/>
@@ -4678,8 +4648,8 @@
         </p:nvSpPr>
         <p:spPr>
           <a:xfrm>
-            <a:off x="461718" y="1557868"/>
-            <a:ext cx="2862910" cy="1439332"/>
+            <a:off x="685800" y="2074333"/>
+            <a:ext cx="3680885" cy="1371600"/>
           </a:xfrm>
         </p:spPr>
         <p:txBody>
@@ -4712,8 +4682,8 @@
         </p:nvSpPr>
         <p:spPr>
           <a:xfrm>
-            <a:off x="3606144" y="609601"/>
-            <a:ext cx="4627975" cy="5181600"/>
+            <a:off x="4648201" y="609601"/>
+            <a:ext cx="6169026" cy="5181600"/>
           </a:xfrm>
         </p:spPr>
         <p:txBody>
@@ -4771,8 +4741,8 @@
         </p:nvSpPr>
         <p:spPr>
           <a:xfrm>
-            <a:off x="461718" y="2997200"/>
-            <a:ext cx="2862910" cy="1845735"/>
+            <a:off x="685800" y="3445933"/>
+            <a:ext cx="3680885" cy="1828800"/>
           </a:xfrm>
         </p:spPr>
         <p:txBody>
@@ -4782,7 +4752,7 @@
           <a:lstStyle>
             <a:lvl1pPr marL="0" indent="0">
               <a:buNone/>
-              <a:defRPr sz="1400"/>
+              <a:defRPr sz="1600"/>
             </a:lvl1pPr>
             <a:lvl2pPr marL="457200" indent="0">
               <a:buNone/>
@@ -4896,7 +4866,7 @@
     </p:spTree>
     <p:extLst>
       <p:ext uri="{BB962C8B-B14F-4D97-AF65-F5344CB8AC3E}">
-        <p14:creationId xmlns:p14="http://schemas.microsoft.com/office/powerpoint/2010/main" val="473769987"/>
+        <p14:creationId xmlns:p14="http://schemas.microsoft.com/office/powerpoint/2010/main" val="1531949650"/>
       </p:ext>
     </p:extLst>
   </p:cSld>
@@ -4925,7 +4895,7 @@
       </p:grpSpPr>
       <p:pic>
         <p:nvPicPr>
-          <p:cNvPr id="11" name="Picture 10" descr="Celestia-R1---OverlayContentSD.png"/>
+          <p:cNvPr id="8" name="Picture 7" descr="Celestia-R1---OverlayContentHD.png"/>
           <p:cNvPicPr>
             <a:picLocks noChangeAspect="1"/>
           </p:cNvPicPr>
@@ -4945,8 +4915,8 @@
         </p:blipFill>
         <p:spPr>
           <a:xfrm>
-            <a:off x="13956" y="0"/>
-            <a:ext cx="9118600" cy="6858000"/>
+            <a:off x="0" y="0"/>
+            <a:ext cx="12188825" cy="6856214"/>
           </a:xfrm>
           <a:prstGeom prst="rect">
             <a:avLst/>
@@ -4965,8 +4935,8 @@
         </p:nvSpPr>
         <p:spPr>
           <a:xfrm>
-            <a:off x="462128" y="1735672"/>
-            <a:ext cx="4097204" cy="1371600"/>
+            <a:off x="685800" y="1600200"/>
+            <a:ext cx="6164653" cy="1371600"/>
           </a:xfrm>
         </p:spPr>
         <p:txBody>
@@ -4975,7 +4945,7 @@
           </a:bodyPr>
           <a:lstStyle>
             <a:lvl1pPr algn="l">
-              <a:defRPr sz="2400" b="0"/>
+              <a:defRPr sz="2800" b="0"/>
             </a:lvl1pPr>
           </a:lstStyle>
           <a:p>
@@ -4999,8 +4969,8 @@
         </p:nvSpPr>
         <p:spPr>
           <a:xfrm>
-            <a:off x="5029200" y="914400"/>
-            <a:ext cx="3200400" cy="4572000"/>
+            <a:off x="7536253" y="914400"/>
+            <a:ext cx="3280974" cy="4572000"/>
           </a:xfrm>
           <a:prstGeom prst="roundRect">
             <a:avLst>
@@ -5035,20 +5005,50 @@
           </a:effectLst>
         </p:spPr>
         <p:txBody>
-          <a:bodyPr vert="horz" lIns="91440" tIns="45720" rIns="91440" bIns="45720" rtlCol="0" anchor="t">
+          <a:bodyPr anchor="t">
             <a:normAutofit/>
           </a:bodyPr>
           <a:lstStyle>
-            <a:lvl1pPr>
-              <a:defRPr lang="en-US" sz="1600" dirty="0"/>
+            <a:lvl1pPr marL="0" indent="0" algn="ctr">
+              <a:buNone/>
+              <a:defRPr sz="1600"/>
             </a:lvl1pPr>
+            <a:lvl2pPr marL="457200" indent="0">
+              <a:buNone/>
+              <a:defRPr sz="1600"/>
+            </a:lvl2pPr>
+            <a:lvl3pPr marL="914400" indent="0">
+              <a:buNone/>
+              <a:defRPr sz="1600"/>
+            </a:lvl3pPr>
+            <a:lvl4pPr marL="1371600" indent="0">
+              <a:buNone/>
+              <a:defRPr sz="1600"/>
+            </a:lvl4pPr>
+            <a:lvl5pPr marL="1828800" indent="0">
+              <a:buNone/>
+              <a:defRPr sz="1600"/>
+            </a:lvl5pPr>
+            <a:lvl6pPr marL="2286000" indent="0">
+              <a:buNone/>
+              <a:defRPr sz="1600"/>
+            </a:lvl6pPr>
+            <a:lvl7pPr marL="2743200" indent="0">
+              <a:buNone/>
+              <a:defRPr sz="1600"/>
+            </a:lvl7pPr>
+            <a:lvl8pPr marL="3200400" indent="0">
+              <a:buNone/>
+              <a:defRPr sz="1600"/>
+            </a:lvl8pPr>
+            <a:lvl9pPr marL="3657600" indent="0">
+              <a:buNone/>
+              <a:defRPr sz="1600"/>
+            </a:lvl9pPr>
           </a:lstStyle>
           <a:p>
-            <a:pPr marL="0" lvl="0" indent="0" algn="ctr">
-              <a:buNone/>
-            </a:pPr>
-            <a:r>
-              <a:rPr lang="de-DE" dirty="0"/>
+            <a:r>
+              <a:rPr lang="de-DE"/>
               <a:t>Bild durch Klicken auf Symbol hinzufügen</a:t>
             </a:r>
             <a:endParaRPr lang="en-US" dirty="0"/>
@@ -5067,8 +5067,8 @@
         </p:nvSpPr>
         <p:spPr>
           <a:xfrm>
-            <a:off x="462128" y="3107272"/>
-            <a:ext cx="4097204" cy="1828800"/>
+            <a:off x="685800" y="2971800"/>
+            <a:ext cx="6164653" cy="1828800"/>
           </a:xfrm>
         </p:spPr>
         <p:txBody>
@@ -5078,7 +5078,7 @@
           <a:lstStyle>
             <a:lvl1pPr marL="0" indent="0">
               <a:buNone/>
-              <a:defRPr sz="1600"/>
+              <a:defRPr sz="1800"/>
             </a:lvl1pPr>
             <a:lvl2pPr marL="457200" indent="0">
               <a:buNone/>
@@ -5192,7 +5192,7 @@
     </p:spTree>
     <p:extLst>
       <p:ext uri="{BB962C8B-B14F-4D97-AF65-F5344CB8AC3E}">
-        <p14:creationId xmlns:p14="http://schemas.microsoft.com/office/powerpoint/2010/main" val="1030545666"/>
+        <p14:creationId xmlns:p14="http://schemas.microsoft.com/office/powerpoint/2010/main" val="1411922495"/>
       </p:ext>
     </p:extLst>
   </p:cSld>
@@ -5236,8 +5236,8 @@
         </p:nvSpPr>
         <p:spPr>
           <a:xfrm>
-            <a:off x="457200" y="609601"/>
-            <a:ext cx="7772400" cy="1456267"/>
+            <a:off x="685801" y="609600"/>
+            <a:ext cx="10131425" cy="1456267"/>
           </a:xfrm>
           <a:prstGeom prst="rect">
             <a:avLst/>
@@ -5270,8 +5270,8 @@
         </p:nvSpPr>
         <p:spPr>
           <a:xfrm>
-            <a:off x="457200" y="2142068"/>
-            <a:ext cx="7772400" cy="3649133"/>
+            <a:off x="685801" y="2142067"/>
+            <a:ext cx="10131425" cy="3649133"/>
           </a:xfrm>
           <a:prstGeom prst="rect">
             <a:avLst/>
@@ -5332,8 +5332,8 @@
         </p:nvSpPr>
         <p:spPr>
           <a:xfrm>
-            <a:off x="6523712" y="5870576"/>
-            <a:ext cx="1212173" cy="377825"/>
+            <a:off x="8589660" y="5870575"/>
+            <a:ext cx="1600200" cy="377825"/>
           </a:xfrm>
           <a:prstGeom prst="rect">
             <a:avLst/>
@@ -5374,8 +5374,8 @@
         </p:nvSpPr>
         <p:spPr>
           <a:xfrm>
-            <a:off x="457200" y="5870576"/>
-            <a:ext cx="5990311" cy="377825"/>
+            <a:off x="685800" y="5870575"/>
+            <a:ext cx="7827659" cy="377825"/>
           </a:xfrm>
           <a:prstGeom prst="rect">
             <a:avLst/>
@@ -5411,8 +5411,8 @@
         </p:nvSpPr>
         <p:spPr>
           <a:xfrm>
-            <a:off x="7812085" y="5870576"/>
-            <a:ext cx="417516" cy="377825"/>
+            <a:off x="10266060" y="5870575"/>
+            <a:ext cx="551167" cy="377825"/>
           </a:xfrm>
           <a:prstGeom prst="rect">
             <a:avLst/>
@@ -5444,29 +5444,29 @@
     </p:spTree>
     <p:extLst>
       <p:ext uri="{BB962C8B-B14F-4D97-AF65-F5344CB8AC3E}">
-        <p14:creationId xmlns:p14="http://schemas.microsoft.com/office/powerpoint/2010/main" val="2034292554"/>
+        <p14:creationId xmlns:p14="http://schemas.microsoft.com/office/powerpoint/2010/main" val="4259746067"/>
       </p:ext>
     </p:extLst>
   </p:cSld>
   <p:clrMap bg1="dk1" tx1="lt1" bg2="dk2" tx2="lt2" accent1="accent1" accent2="accent2" accent3="accent3" accent4="accent4" accent5="accent5" accent6="accent6" hlink="hlink" folHlink="folHlink"/>
   <p:sldLayoutIdLst>
-    <p:sldLayoutId id="2147483669" r:id="rId1"/>
-    <p:sldLayoutId id="2147483670" r:id="rId2"/>
-    <p:sldLayoutId id="2147483671" r:id="rId3"/>
-    <p:sldLayoutId id="2147483672" r:id="rId4"/>
-    <p:sldLayoutId id="2147483673" r:id="rId5"/>
-    <p:sldLayoutId id="2147483674" r:id="rId6"/>
-    <p:sldLayoutId id="2147483675" r:id="rId7"/>
-    <p:sldLayoutId id="2147483676" r:id="rId8"/>
-    <p:sldLayoutId id="2147483677" r:id="rId9"/>
-    <p:sldLayoutId id="2147483678" r:id="rId10"/>
-    <p:sldLayoutId id="2147483679" r:id="rId11"/>
-    <p:sldLayoutId id="2147483680" r:id="rId12"/>
-    <p:sldLayoutId id="2147483681" r:id="rId13"/>
-    <p:sldLayoutId id="2147483682" r:id="rId14"/>
-    <p:sldLayoutId id="2147483683" r:id="rId15"/>
-    <p:sldLayoutId id="2147483684" r:id="rId16"/>
-    <p:sldLayoutId id="2147483685" r:id="rId17"/>
+    <p:sldLayoutId id="2147483687" r:id="rId1"/>
+    <p:sldLayoutId id="2147483688" r:id="rId2"/>
+    <p:sldLayoutId id="2147483689" r:id="rId3"/>
+    <p:sldLayoutId id="2147483690" r:id="rId4"/>
+    <p:sldLayoutId id="2147483691" r:id="rId5"/>
+    <p:sldLayoutId id="2147483692" r:id="rId6"/>
+    <p:sldLayoutId id="2147483693" r:id="rId7"/>
+    <p:sldLayoutId id="2147483694" r:id="rId8"/>
+    <p:sldLayoutId id="2147483695" r:id="rId9"/>
+    <p:sldLayoutId id="2147483696" r:id="rId10"/>
+    <p:sldLayoutId id="2147483697" r:id="rId11"/>
+    <p:sldLayoutId id="2147483698" r:id="rId12"/>
+    <p:sldLayoutId id="2147483699" r:id="rId13"/>
+    <p:sldLayoutId id="2147483700" r:id="rId14"/>
+    <p:sldLayoutId id="2147483701" r:id="rId15"/>
+    <p:sldLayoutId id="2147483702" r:id="rId16"/>
+    <p:sldLayoutId id="2147483703" r:id="rId17"/>
   </p:sldLayoutIdLst>
   <p:txStyles>
     <p:titleStyle>
@@ -5475,7 +5475,7 @@
           <a:spcPct val="0"/>
         </a:spcBef>
         <a:buNone/>
-        <a:defRPr sz="3200" kern="1200" cap="all">
+        <a:defRPr sz="3600" kern="1200" cap="all">
           <a:ln w="3175" cmpd="sng">
             <a:noFill/>
           </a:ln>
@@ -5872,10 +5872,10 @@
       </p:grpSpPr>
       <p:sp>
         <p:nvSpPr>
-          <p:cNvPr id="2" name="Titel 1">
+          <p:cNvPr id="4" name="Titel 3">
             <a:extLst>
               <a:ext uri="{FF2B5EF4-FFF2-40B4-BE49-F238E27FC236}">
-                <a16:creationId xmlns:a16="http://schemas.microsoft.com/office/drawing/2014/main" id="{6A6320E5-E90D-4C0C-93E9-36D461F907A6}"/>
+                <a16:creationId xmlns:a16="http://schemas.microsoft.com/office/drawing/2014/main" id="{6EA84668-85FD-4974-BDFA-ACC5EA1DEFF3}"/>
               </a:ext>
             </a:extLst>
           </p:cNvPr>
@@ -5886,12 +5886,7 @@
             <p:ph type="ctrTitle"/>
           </p:nvPr>
         </p:nvSpPr>
-        <p:spPr>
-          <a:xfrm>
-            <a:off x="2709644" y="1964267"/>
-            <a:ext cx="5748557" cy="2421464"/>
-          </a:xfrm>
-        </p:spPr>
+        <p:spPr/>
         <p:txBody>
           <a:bodyPr/>
           <a:lstStyle/>
@@ -5905,10 +5900,10 @@
       </p:sp>
       <p:sp>
         <p:nvSpPr>
-          <p:cNvPr id="3" name="Untertitel 2">
+          <p:cNvPr id="5" name="Untertitel 4">
             <a:extLst>
               <a:ext uri="{FF2B5EF4-FFF2-40B4-BE49-F238E27FC236}">
-                <a16:creationId xmlns:a16="http://schemas.microsoft.com/office/drawing/2014/main" id="{B4D39221-8B5F-4F56-8801-3E5EC3BA35B0}"/>
+                <a16:creationId xmlns:a16="http://schemas.microsoft.com/office/drawing/2014/main" id="{722CA17E-1FC5-426B-9940-4C2A57FEB5BE}"/>
               </a:ext>
             </a:extLst>
           </p:cNvPr>
@@ -5934,7 +5929,7 @@
     </p:spTree>
     <p:extLst>
       <p:ext uri="{BB962C8B-B14F-4D97-AF65-F5344CB8AC3E}">
-        <p14:creationId xmlns:p14="http://schemas.microsoft.com/office/powerpoint/2010/main" val="1384748638"/>
+        <p14:creationId xmlns:p14="http://schemas.microsoft.com/office/powerpoint/2010/main" val="1730158279"/>
       </p:ext>
     </p:extLst>
   </p:cSld>
@@ -6008,7 +6003,7 @@
         <p:spPr/>
         <p:txBody>
           <a:bodyPr>
-            <a:normAutofit lnSpcReduction="10000"/>
+            <a:normAutofit fontScale="85000" lnSpcReduction="20000"/>
           </a:bodyPr>
           <a:lstStyle/>
           <a:p>
@@ -6053,10 +6048,9 @@
           <a:p>
             <a:pPr lvl="1"/>
             <a:r>
-              <a:rPr lang="de-DE"/>
+              <a:rPr lang="de-DE" dirty="0"/>
               <a:t>OpenGL Pipeline</a:t>
             </a:r>
-            <a:endParaRPr lang="de-DE" dirty="0"/>
           </a:p>
           <a:p>
             <a:pPr lvl="1"/>
@@ -6070,6 +6064,20 @@
             <a:r>
               <a:rPr lang="de-DE" dirty="0"/>
               <a:t>Noise Modifikation</a:t>
+            </a:r>
+          </a:p>
+          <a:p>
+            <a:r>
+              <a:rPr lang="de-DE" dirty="0" err="1"/>
+              <a:t>Raytracing</a:t>
+            </a:r>
+            <a:endParaRPr lang="de-DE" dirty="0"/>
+          </a:p>
+          <a:p>
+            <a:pPr lvl="1"/>
+            <a:r>
+              <a:rPr lang="de-DE" dirty="0"/>
+              <a:t>Unterschiede OpenGL</a:t>
             </a:r>
           </a:p>
           <a:p>
